--- a/materials/slides/10.pptx
+++ b/materials/slides/10.pptx
@@ -5,66 +5,66 @@
     <p:sldMasterId id="2147483648" r:id="rId1"/>
   </p:sldMasterIdLst>
   <p:notesMasterIdLst>
-    <p:notesMasterId r:id="rId4"/>
+    <p:notesMasterId r:id="rId56"/>
   </p:notesMasterIdLst>
   <p:handoutMasterIdLst>
-    <p:handoutMasterId r:id="rId58"/>
+    <p:handoutMasterId r:id="rId57"/>
   </p:handoutMasterIdLst>
   <p:sldIdLst>
-    <p:sldId id="256" r:id="rId3"/>
-    <p:sldId id="553" r:id="rId5"/>
-    <p:sldId id="554" r:id="rId6"/>
-    <p:sldId id="567" r:id="rId7"/>
-    <p:sldId id="568" r:id="rId8"/>
-    <p:sldId id="569" r:id="rId9"/>
-    <p:sldId id="570" r:id="rId10"/>
-    <p:sldId id="571" r:id="rId11"/>
-    <p:sldId id="572" r:id="rId12"/>
-    <p:sldId id="573" r:id="rId13"/>
-    <p:sldId id="574" r:id="rId14"/>
-    <p:sldId id="575" r:id="rId15"/>
-    <p:sldId id="576" r:id="rId16"/>
-    <p:sldId id="578" r:id="rId17"/>
-    <p:sldId id="617" r:id="rId18"/>
-    <p:sldId id="579" r:id="rId19"/>
-    <p:sldId id="580" r:id="rId20"/>
-    <p:sldId id="581" r:id="rId21"/>
-    <p:sldId id="582" r:id="rId22"/>
-    <p:sldId id="583" r:id="rId23"/>
-    <p:sldId id="584" r:id="rId24"/>
-    <p:sldId id="585" r:id="rId25"/>
-    <p:sldId id="586" r:id="rId26"/>
-    <p:sldId id="587" r:id="rId27"/>
-    <p:sldId id="588" r:id="rId28"/>
-    <p:sldId id="589" r:id="rId29"/>
-    <p:sldId id="590" r:id="rId30"/>
-    <p:sldId id="591" r:id="rId31"/>
-    <p:sldId id="592" r:id="rId32"/>
-    <p:sldId id="593" r:id="rId33"/>
-    <p:sldId id="594" r:id="rId34"/>
-    <p:sldId id="595" r:id="rId35"/>
-    <p:sldId id="596" r:id="rId36"/>
-    <p:sldId id="597" r:id="rId37"/>
-    <p:sldId id="598" r:id="rId38"/>
-    <p:sldId id="599" r:id="rId39"/>
-    <p:sldId id="600" r:id="rId40"/>
-    <p:sldId id="601" r:id="rId41"/>
-    <p:sldId id="602" r:id="rId42"/>
-    <p:sldId id="603" r:id="rId43"/>
-    <p:sldId id="604" r:id="rId44"/>
-    <p:sldId id="605" r:id="rId45"/>
-    <p:sldId id="606" r:id="rId46"/>
-    <p:sldId id="607" r:id="rId47"/>
-    <p:sldId id="608" r:id="rId48"/>
-    <p:sldId id="609" r:id="rId49"/>
-    <p:sldId id="610" r:id="rId50"/>
-    <p:sldId id="611" r:id="rId51"/>
-    <p:sldId id="612" r:id="rId52"/>
-    <p:sldId id="618" r:id="rId53"/>
-    <p:sldId id="613" r:id="rId54"/>
-    <p:sldId id="614" r:id="rId55"/>
-    <p:sldId id="615" r:id="rId56"/>
-    <p:sldId id="549" r:id="rId57"/>
+    <p:sldId id="256" r:id="rId2"/>
+    <p:sldId id="553" r:id="rId3"/>
+    <p:sldId id="554" r:id="rId4"/>
+    <p:sldId id="567" r:id="rId5"/>
+    <p:sldId id="568" r:id="rId6"/>
+    <p:sldId id="569" r:id="rId7"/>
+    <p:sldId id="570" r:id="rId8"/>
+    <p:sldId id="571" r:id="rId9"/>
+    <p:sldId id="572" r:id="rId10"/>
+    <p:sldId id="573" r:id="rId11"/>
+    <p:sldId id="574" r:id="rId12"/>
+    <p:sldId id="575" r:id="rId13"/>
+    <p:sldId id="576" r:id="rId14"/>
+    <p:sldId id="578" r:id="rId15"/>
+    <p:sldId id="617" r:id="rId16"/>
+    <p:sldId id="579" r:id="rId17"/>
+    <p:sldId id="580" r:id="rId18"/>
+    <p:sldId id="581" r:id="rId19"/>
+    <p:sldId id="582" r:id="rId20"/>
+    <p:sldId id="583" r:id="rId21"/>
+    <p:sldId id="584" r:id="rId22"/>
+    <p:sldId id="585" r:id="rId23"/>
+    <p:sldId id="586" r:id="rId24"/>
+    <p:sldId id="587" r:id="rId25"/>
+    <p:sldId id="588" r:id="rId26"/>
+    <p:sldId id="589" r:id="rId27"/>
+    <p:sldId id="590" r:id="rId28"/>
+    <p:sldId id="591" r:id="rId29"/>
+    <p:sldId id="592" r:id="rId30"/>
+    <p:sldId id="593" r:id="rId31"/>
+    <p:sldId id="594" r:id="rId32"/>
+    <p:sldId id="595" r:id="rId33"/>
+    <p:sldId id="596" r:id="rId34"/>
+    <p:sldId id="597" r:id="rId35"/>
+    <p:sldId id="598" r:id="rId36"/>
+    <p:sldId id="599" r:id="rId37"/>
+    <p:sldId id="600" r:id="rId38"/>
+    <p:sldId id="601" r:id="rId39"/>
+    <p:sldId id="602" r:id="rId40"/>
+    <p:sldId id="603" r:id="rId41"/>
+    <p:sldId id="604" r:id="rId42"/>
+    <p:sldId id="605" r:id="rId43"/>
+    <p:sldId id="606" r:id="rId44"/>
+    <p:sldId id="607" r:id="rId45"/>
+    <p:sldId id="608" r:id="rId46"/>
+    <p:sldId id="609" r:id="rId47"/>
+    <p:sldId id="610" r:id="rId48"/>
+    <p:sldId id="611" r:id="rId49"/>
+    <p:sldId id="612" r:id="rId50"/>
+    <p:sldId id="618" r:id="rId51"/>
+    <p:sldId id="613" r:id="rId52"/>
+    <p:sldId id="614" r:id="rId53"/>
+    <p:sldId id="615" r:id="rId54"/>
+    <p:sldId id="549" r:id="rId55"/>
   </p:sldIdLst>
   <p:sldSz cx="12192000" cy="6858000"/>
   <p:notesSz cx="6858000" cy="9144000"/>
@@ -391,12 +391,18 @@
             </a:pPr>
             <a:fld id="{7BE119F4-F7CC-4430-A1DB-88C455E8BC26}" type="slidenum">
               <a:rPr lang="en-US" altLang="zh-CN"/>
+              <a:t>‹#›</a:t>
             </a:fld>
             <a:endParaRPr lang="en-US" altLang="zh-CN" dirty="0"/>
           </a:p>
         </p:txBody>
       </p:sp>
     </p:spTree>
+    <p:extLst>
+      <p:ext uri="{BB962C8B-B14F-4D97-AF65-F5344CB8AC3E}">
+        <p14:creationId xmlns:p14="http://schemas.microsoft.com/office/powerpoint/2010/main" val="1362870945"/>
+      </p:ext>
+    </p:extLst>
   </p:cSld>
   <p:clrMap bg1="lt1" tx1="dk1" bg2="lt2" tx2="dk2" accent1="accent1" accent2="accent2" accent3="accent3" accent4="accent4" accent5="accent5" accent6="accent6" hlink="hlink" folHlink="folHlink"/>
   <p:hf sldNum="0" hdr="0" ftr="0" dt="0"/>
@@ -584,7 +590,6 @@
               <a:rPr lang="zh-CN" altLang="en-US" noProof="0" smtClean="0"/>
               <a:t>单击此处编辑母版文本样式</a:t>
             </a:r>
-            <a:endParaRPr lang="zh-CN" altLang="en-US" noProof="0" smtClean="0"/>
           </a:p>
           <a:p>
             <a:pPr lvl="1"/>
@@ -592,7 +597,6 @@
               <a:rPr lang="zh-CN" altLang="en-US" noProof="0" smtClean="0"/>
               <a:t>第二级</a:t>
             </a:r>
-            <a:endParaRPr lang="zh-CN" altLang="en-US" noProof="0" smtClean="0"/>
           </a:p>
           <a:p>
             <a:pPr lvl="2"/>
@@ -600,7 +604,6 @@
               <a:rPr lang="zh-CN" altLang="en-US" noProof="0" smtClean="0"/>
               <a:t>第三级</a:t>
             </a:r>
-            <a:endParaRPr lang="zh-CN" altLang="en-US" noProof="0" smtClean="0"/>
           </a:p>
           <a:p>
             <a:pPr lvl="3"/>
@@ -608,7 +611,6 @@
               <a:rPr lang="zh-CN" altLang="en-US" noProof="0" smtClean="0"/>
               <a:t>第四级</a:t>
             </a:r>
-            <a:endParaRPr lang="zh-CN" altLang="en-US" noProof="0" smtClean="0"/>
           </a:p>
           <a:p>
             <a:pPr lvl="4"/>
@@ -616,7 +618,6 @@
               <a:rPr lang="zh-CN" altLang="en-US" noProof="0" smtClean="0"/>
               <a:t>第五级</a:t>
             </a:r>
-            <a:endParaRPr lang="zh-CN" altLang="en-US" noProof="0" smtClean="0"/>
           </a:p>
         </p:txBody>
       </p:sp>
@@ -704,12 +705,18 @@
             </a:pPr>
             <a:fld id="{06DBFBB8-2C88-4EF5-ACA0-AB33D3C579D0}" type="slidenum">
               <a:rPr lang="en-US" altLang="zh-CN"/>
+              <a:t>‹#›</a:t>
             </a:fld>
             <a:endParaRPr lang="en-US" altLang="zh-CN" dirty="0"/>
           </a:p>
         </p:txBody>
       </p:sp>
     </p:spTree>
+    <p:extLst>
+      <p:ext uri="{BB962C8B-B14F-4D97-AF65-F5344CB8AC3E}">
+        <p14:creationId xmlns:p14="http://schemas.microsoft.com/office/powerpoint/2010/main" val="714298041"/>
+      </p:ext>
+    </p:extLst>
   </p:cSld>
   <p:clrMap bg1="lt1" tx1="dk1" bg2="lt2" tx2="dk2" accent1="accent1" accent2="accent2" accent3="accent3" accent4="accent4" accent5="accent5" accent6="accent6" hlink="hlink" folHlink="folHlink"/>
   <p:hf sldNum="0" hdr="0" ftr="0" dt="0"/>
@@ -942,7 +949,6 @@
               <a:rPr lang="zh-CN" altLang="en-US"/>
               <a:t>这一页不知道是什么意思？这个图需要讲解。</a:t>
             </a:r>
-            <a:endParaRPr lang="zh-CN" altLang="en-US"/>
           </a:p>
         </p:txBody>
       </p:sp>
@@ -1028,6 +1034,7 @@
             </a:pPr>
             <a:fld id="{CEBC554E-CAFE-49EC-912C-20FB5819FAB2}" type="slidenum">
               <a:rPr lang="zh-CN" altLang="en-US" smtClean="0"/>
+              <a:t>14</a:t>
             </a:fld>
             <a:endParaRPr lang="en-US" altLang="zh-CN"/>
           </a:p>
@@ -1111,6 +1118,7 @@
             </a:pPr>
             <a:fld id="{CEBC554E-CAFE-49EC-912C-20FB5819FAB2}" type="slidenum">
               <a:rPr lang="zh-CN" altLang="en-US" smtClean="0"/>
+              <a:t>18</a:t>
             </a:fld>
             <a:endParaRPr lang="en-US" altLang="zh-CN"/>
           </a:p>
@@ -1194,6 +1202,7 @@
             </a:pPr>
             <a:fld id="{CEBC554E-CAFE-49EC-912C-20FB5819FAB2}" type="slidenum">
               <a:rPr lang="zh-CN" altLang="en-US" smtClean="0"/>
+              <a:t>19</a:t>
             </a:fld>
             <a:endParaRPr lang="en-US" altLang="zh-CN"/>
           </a:p>
@@ -1284,9 +1293,6 @@
               </a:rPr>
               <a:t>的非正常关闭例子</a:t>
             </a:r>
-            <a:endParaRPr lang="zh-CN" altLang="en-US" dirty="0" smtClean="0">
-              <a:latin typeface="Arial" panose="020B0604020202020204" pitchFamily="34" charset="0"/>
-            </a:endParaRPr>
           </a:p>
         </p:txBody>
       </p:sp>
@@ -1437,6 +1443,7 @@
               <a:rPr lang="en-US" altLang="zh-CN" smtClean="0">
                 <a:latin typeface="Arial" panose="020B0604020202020204" pitchFamily="34" charset="0"/>
               </a:rPr>
+              <a:t>22</a:t>
             </a:fld>
             <a:endParaRPr lang="en-US" altLang="zh-CN" smtClean="0">
               <a:latin typeface="Arial" panose="020B0604020202020204" pitchFamily="34" charset="0"/>
@@ -1533,9 +1540,6 @@
               </a:rPr>
               <a:t>如何确保缺陷重现？</a:t>
             </a:r>
-            <a:endParaRPr lang="zh-CN" altLang="en-US" smtClean="0">
-              <a:latin typeface="Arial" panose="020B0604020202020204" pitchFamily="34" charset="0"/>
-            </a:endParaRPr>
           </a:p>
           <a:p>
             <a:endParaRPr lang="zh-CN" altLang="en-US" smtClean="0">
@@ -1691,6 +1695,7 @@
               <a:rPr lang="en-US" altLang="zh-CN" smtClean="0">
                 <a:latin typeface="Arial" panose="020B0604020202020204" pitchFamily="34" charset="0"/>
               </a:rPr>
+              <a:t>30</a:t>
             </a:fld>
             <a:endParaRPr lang="en-US" altLang="zh-CN" smtClean="0">
               <a:latin typeface="Arial" panose="020B0604020202020204" pitchFamily="34" charset="0"/>
@@ -1751,7 +1756,6 @@
               <a:rPr lang="zh-CN" altLang="en-US" dirty="0"/>
               <a:t>单击此处编辑母版标题样式</a:t>
             </a:r>
-            <a:endParaRPr lang="zh-CN" altLang="en-US" dirty="0"/>
           </a:p>
         </p:txBody>
       </p:sp>
@@ -1785,7 +1789,6 @@
               <a:rPr lang="zh-CN" altLang="en-US" dirty="0"/>
               <a:t>单击此处编辑母版副标题样式</a:t>
             </a:r>
-            <a:endParaRPr lang="zh-CN" altLang="en-US" dirty="0"/>
           </a:p>
         </p:txBody>
       </p:sp>
@@ -2208,7 +2211,6 @@
               <a:rPr lang="zh-CN" altLang="en-US" smtClean="0"/>
               <a:t>单击此处编辑母版文本样式</a:t>
             </a:r>
-            <a:endParaRPr lang="zh-CN" altLang="en-US" smtClean="0"/>
           </a:p>
           <a:p>
             <a:pPr lvl="1"/>
@@ -2216,7 +2218,6 @@
               <a:rPr lang="zh-CN" altLang="en-US" smtClean="0"/>
               <a:t>第二级</a:t>
             </a:r>
-            <a:endParaRPr lang="zh-CN" altLang="en-US" smtClean="0"/>
           </a:p>
           <a:p>
             <a:pPr lvl="2"/>
@@ -2224,7 +2225,6 @@
               <a:rPr lang="zh-CN" altLang="en-US" smtClean="0"/>
               <a:t>第三级</a:t>
             </a:r>
-            <a:endParaRPr lang="zh-CN" altLang="en-US" smtClean="0"/>
           </a:p>
           <a:p>
             <a:pPr lvl="3"/>
@@ -2232,7 +2232,6 @@
               <a:rPr lang="zh-CN" altLang="en-US" smtClean="0"/>
               <a:t>第四级</a:t>
             </a:r>
-            <a:endParaRPr lang="zh-CN" altLang="en-US" smtClean="0"/>
           </a:p>
           <a:p>
             <a:pPr lvl="4"/>
@@ -2276,6 +2275,7 @@
             </a:pPr>
             <a:fld id="{D993C422-5C1A-4741-A841-95E2C597F899}" type="slidenum">
               <a:rPr lang="zh-CN" altLang="zh-CN" smtClean="0"/>
+              <a:t>‹#›</a:t>
             </a:fld>
             <a:endParaRPr lang="zh-CN" altLang="zh-CN" sz="3200" b="0"/>
           </a:p>
@@ -2397,7 +2397,6 @@
               <a:rPr lang="zh-CN" altLang="en-US" dirty="0" smtClean="0"/>
               <a:t>单击此处编辑母版文本样式</a:t>
             </a:r>
-            <a:endParaRPr lang="zh-CN" altLang="en-US" dirty="0" smtClean="0"/>
           </a:p>
           <a:p>
             <a:pPr lvl="1"/>
@@ -2405,7 +2404,6 @@
               <a:rPr lang="zh-CN" altLang="en-US" dirty="0" smtClean="0"/>
               <a:t>第二级</a:t>
             </a:r>
-            <a:endParaRPr lang="zh-CN" altLang="en-US" dirty="0" smtClean="0"/>
           </a:p>
           <a:p>
             <a:pPr lvl="2"/>
@@ -2413,7 +2411,6 @@
               <a:rPr lang="zh-CN" altLang="en-US" dirty="0" smtClean="0"/>
               <a:t>第三级</a:t>
             </a:r>
-            <a:endParaRPr lang="zh-CN" altLang="en-US" dirty="0" smtClean="0"/>
           </a:p>
           <a:p>
             <a:pPr lvl="3"/>
@@ -2421,7 +2418,6 @@
               <a:rPr lang="zh-CN" altLang="en-US" dirty="0" smtClean="0"/>
               <a:t>第四级</a:t>
             </a:r>
-            <a:endParaRPr lang="zh-CN" altLang="en-US" dirty="0" smtClean="0"/>
           </a:p>
         </p:txBody>
       </p:sp>
@@ -2624,7 +2620,6 @@
               <a:rPr lang="zh-CN" altLang="en-US" dirty="0" smtClean="0"/>
               <a:t>单击此处编辑母版文本样式</a:t>
             </a:r>
-            <a:endParaRPr lang="zh-CN" altLang="en-US" dirty="0" smtClean="0"/>
           </a:p>
           <a:p>
             <a:pPr lvl="1"/>
@@ -2632,7 +2627,6 @@
               <a:rPr lang="zh-CN" altLang="en-US" dirty="0" smtClean="0"/>
               <a:t>第二级</a:t>
             </a:r>
-            <a:endParaRPr lang="zh-CN" altLang="en-US" dirty="0" smtClean="0"/>
           </a:p>
           <a:p>
             <a:pPr marL="1304925" lvl="2" indent="-395605" algn="l" rtl="0" eaLnBrk="0" fontAlgn="base" hangingPunct="0">
@@ -2655,7 +2649,6 @@
               <a:rPr lang="zh-CN" altLang="en-US" dirty="0" smtClean="0"/>
               <a:t>第三级</a:t>
             </a:r>
-            <a:endParaRPr lang="zh-CN" altLang="en-US" dirty="0" smtClean="0"/>
           </a:p>
           <a:p>
             <a:pPr lvl="3"/>
@@ -2663,7 +2656,6 @@
               <a:rPr lang="zh-CN" altLang="en-US" dirty="0" smtClean="0"/>
               <a:t>第四级</a:t>
             </a:r>
-            <a:endParaRPr lang="zh-CN" altLang="en-US" dirty="0" smtClean="0"/>
           </a:p>
         </p:txBody>
       </p:sp>
@@ -2864,7 +2856,6 @@
               <a:rPr lang="zh-CN" altLang="en-US" smtClean="0"/>
               <a:t>单击此处编辑母版文本样式</a:t>
             </a:r>
-            <a:endParaRPr lang="zh-CN" altLang="en-US" smtClean="0"/>
           </a:p>
         </p:txBody>
       </p:sp>
@@ -2968,6 +2959,7 @@
             </a:pPr>
             <a:fld id="{B62FBA93-7C77-4D32-BA8C-F7EFDB1910E6}" type="slidenum">
               <a:rPr lang="en-US" altLang="zh-CN"/>
+              <a:t>‹#›</a:t>
             </a:fld>
             <a:endParaRPr lang="en-US" altLang="zh-CN" dirty="0"/>
           </a:p>
@@ -3083,7 +3075,6 @@
               <a:rPr lang="zh-CN" altLang="en-US" dirty="0" smtClean="0"/>
               <a:t>单击此处编辑母版文本样式</a:t>
             </a:r>
-            <a:endParaRPr lang="zh-CN" altLang="en-US" dirty="0" smtClean="0"/>
           </a:p>
           <a:p>
             <a:pPr lvl="1"/>
@@ -3091,7 +3082,6 @@
               <a:rPr lang="zh-CN" altLang="en-US" dirty="0" smtClean="0"/>
               <a:t>第二级</a:t>
             </a:r>
-            <a:endParaRPr lang="zh-CN" altLang="en-US" dirty="0" smtClean="0"/>
           </a:p>
           <a:p>
             <a:pPr marL="1304925" lvl="2" indent="-395605" algn="l" rtl="0" eaLnBrk="0" fontAlgn="base" hangingPunct="0">
@@ -3114,7 +3104,6 @@
               <a:rPr lang="zh-CN" altLang="en-US" dirty="0" smtClean="0"/>
               <a:t>第三级</a:t>
             </a:r>
-            <a:endParaRPr lang="zh-CN" altLang="en-US" dirty="0" smtClean="0"/>
           </a:p>
           <a:p>
             <a:pPr lvl="3"/>
@@ -3122,7 +3111,6 @@
               <a:rPr lang="zh-CN" altLang="en-US" dirty="0" smtClean="0"/>
               <a:t>第四级</a:t>
             </a:r>
-            <a:endParaRPr lang="zh-CN" altLang="en-US" dirty="0" smtClean="0"/>
           </a:p>
         </p:txBody>
       </p:sp>
@@ -3185,7 +3173,6 @@
               <a:rPr lang="zh-CN" altLang="en-US" dirty="0" smtClean="0"/>
               <a:t>单击此处编辑母版文本样式</a:t>
             </a:r>
-            <a:endParaRPr lang="zh-CN" altLang="en-US" dirty="0" smtClean="0"/>
           </a:p>
           <a:p>
             <a:pPr lvl="1"/>
@@ -3193,7 +3180,6 @@
               <a:rPr lang="zh-CN" altLang="en-US" dirty="0" smtClean="0"/>
               <a:t>第二级</a:t>
             </a:r>
-            <a:endParaRPr lang="zh-CN" altLang="en-US" dirty="0" smtClean="0"/>
           </a:p>
           <a:p>
             <a:pPr marL="1304925" lvl="2" indent="-395605" algn="l" rtl="0" eaLnBrk="0" fontAlgn="base" hangingPunct="0">
@@ -3216,7 +3202,6 @@
               <a:rPr lang="zh-CN" altLang="en-US" dirty="0" smtClean="0"/>
               <a:t>第三级</a:t>
             </a:r>
-            <a:endParaRPr lang="zh-CN" altLang="en-US" dirty="0" smtClean="0"/>
           </a:p>
           <a:p>
             <a:pPr lvl="3"/>
@@ -3224,7 +3209,6 @@
               <a:rPr lang="zh-CN" altLang="en-US" dirty="0" smtClean="0"/>
               <a:t>第四级</a:t>
             </a:r>
-            <a:endParaRPr lang="zh-CN" altLang="en-US" dirty="0" smtClean="0"/>
           </a:p>
         </p:txBody>
       </p:sp>
@@ -3328,6 +3312,7 @@
             </a:pPr>
             <a:fld id="{85100CE9-0662-4089-B8E8-68467DB42791}" type="slidenum">
               <a:rPr lang="en-US" altLang="zh-CN"/>
+              <a:t>‹#›</a:t>
             </a:fld>
             <a:endParaRPr lang="en-US" altLang="zh-CN" dirty="0"/>
           </a:p>
@@ -3484,6 +3469,7 @@
             </a:pPr>
             <a:fld id="{15209603-DA32-4E08-B993-D56C85C4BB77}" type="slidenum">
               <a:rPr lang="en-US" altLang="zh-CN"/>
+              <a:t>‹#›</a:t>
             </a:fld>
             <a:endParaRPr lang="en-US" altLang="zh-CN" dirty="0"/>
           </a:p>
@@ -3645,6 +3631,7 @@
             </a:pPr>
             <a:fld id="{D69D5A50-F480-4E46-95E7-D0B4288BA79C}" type="slidenum">
               <a:rPr lang="en-US" altLang="zh-CN"/>
+              <a:t>‹#›</a:t>
             </a:fld>
             <a:endParaRPr lang="en-US" altLang="zh-CN" dirty="0"/>
           </a:p>
@@ -4028,6 +4015,7 @@
             </a:pPr>
             <a:fld id="{D993C422-5C1A-4741-A841-95E2C597F899}" type="slidenum">
               <a:rPr lang="zh-CN" altLang="zh-CN" smtClean="0"/>
+              <a:t>‹#›</a:t>
             </a:fld>
             <a:endParaRPr lang="zh-CN" altLang="zh-CN" sz="3200" b="0"/>
           </a:p>
@@ -4423,7 +4411,6 @@
               <a:rPr lang="zh-CN" altLang="zh-CN" dirty="0" smtClean="0"/>
               <a:t>Click to edit Master text styles</a:t>
             </a:r>
-            <a:endParaRPr lang="zh-CN" altLang="zh-CN" dirty="0" smtClean="0"/>
           </a:p>
           <a:p>
             <a:pPr lvl="1"/>
@@ -4431,7 +4418,6 @@
               <a:rPr lang="zh-CN" altLang="zh-CN" dirty="0" smtClean="0"/>
               <a:t>Second level</a:t>
             </a:r>
-            <a:endParaRPr lang="zh-CN" altLang="zh-CN" dirty="0" smtClean="0"/>
           </a:p>
           <a:p>
             <a:pPr lvl="2"/>
@@ -4439,7 +4425,6 @@
               <a:rPr lang="zh-CN" altLang="zh-CN" dirty="0" smtClean="0"/>
               <a:t>Third level</a:t>
             </a:r>
-            <a:endParaRPr lang="zh-CN" altLang="zh-CN" dirty="0" smtClean="0"/>
           </a:p>
           <a:p>
             <a:pPr lvl="3"/>
@@ -4447,7 +4432,6 @@
               <a:rPr lang="zh-CN" altLang="zh-CN" dirty="0" smtClean="0"/>
               <a:t>Fourth level</a:t>
             </a:r>
-            <a:endParaRPr lang="zh-CN" altLang="zh-CN" dirty="0" smtClean="0"/>
           </a:p>
         </p:txBody>
       </p:sp>
@@ -4897,7 +4881,6 @@
               <a:rPr lang="zh-CN" altLang="en-US" smtClean="0"/>
               <a:t>单击此处编辑母版文本样式</a:t>
             </a:r>
-            <a:endParaRPr lang="zh-CN" altLang="en-US" smtClean="0"/>
           </a:p>
           <a:p>
             <a:pPr lvl="1"/>
@@ -4905,7 +4888,6 @@
               <a:rPr lang="zh-CN" altLang="en-US" smtClean="0"/>
               <a:t>第二级</a:t>
             </a:r>
-            <a:endParaRPr lang="zh-CN" altLang="en-US" smtClean="0"/>
           </a:p>
           <a:p>
             <a:pPr lvl="2"/>
@@ -4913,7 +4895,6 @@
               <a:rPr lang="zh-CN" altLang="en-US" smtClean="0"/>
               <a:t>第三级</a:t>
             </a:r>
-            <a:endParaRPr lang="zh-CN" altLang="en-US" smtClean="0"/>
           </a:p>
           <a:p>
             <a:pPr lvl="3"/>
@@ -4921,7 +4902,6 @@
               <a:rPr lang="zh-CN" altLang="en-US" smtClean="0"/>
               <a:t>第四级</a:t>
             </a:r>
-            <a:endParaRPr lang="zh-CN" altLang="en-US" smtClean="0"/>
           </a:p>
           <a:p>
             <a:pPr lvl="4"/>
@@ -4965,6 +4945,7 @@
             </a:pPr>
             <a:fld id="{D993C422-5C1A-4741-A841-95E2C597F899}" type="slidenum">
               <a:rPr lang="zh-CN" altLang="zh-CN" smtClean="0"/>
+              <a:t>‹#›</a:t>
             </a:fld>
             <a:endParaRPr lang="zh-CN" altLang="zh-CN" sz="3200" b="0"/>
           </a:p>
@@ -5064,7 +5045,6 @@
               <a:rPr lang="zh-CN" altLang="en-US" dirty="0" smtClean="0"/>
               <a:t>单击此处编辑母版标题样式</a:t>
             </a:r>
-            <a:endParaRPr lang="zh-CN" altLang="en-US" dirty="0" smtClean="0"/>
           </a:p>
         </p:txBody>
       </p:sp>
@@ -5119,7 +5099,6 @@
               <a:rPr lang="zh-CN" altLang="en-US" dirty="0" smtClean="0"/>
               <a:t>单击此处编辑母版文本样式</a:t>
             </a:r>
-            <a:endParaRPr lang="zh-CN" altLang="en-US" dirty="0" smtClean="0"/>
           </a:p>
           <a:p>
             <a:pPr lvl="1"/>
@@ -5127,7 +5106,6 @@
               <a:rPr lang="zh-CN" altLang="en-US" dirty="0" smtClean="0"/>
               <a:t>第二级</a:t>
             </a:r>
-            <a:endParaRPr lang="zh-CN" altLang="en-US" dirty="0" smtClean="0"/>
           </a:p>
           <a:p>
             <a:pPr marL="1304925" lvl="2" indent="-395605" algn="l" rtl="0" eaLnBrk="0" fontAlgn="base" hangingPunct="0">
@@ -5150,7 +5128,6 @@
               <a:rPr lang="zh-CN" altLang="en-US" dirty="0" smtClean="0"/>
               <a:t>第三级</a:t>
             </a:r>
-            <a:endParaRPr lang="zh-CN" altLang="en-US" dirty="0" smtClean="0"/>
           </a:p>
           <a:p>
             <a:pPr lvl="3"/>
@@ -5158,7 +5135,6 @@
               <a:rPr lang="zh-CN" altLang="en-US" dirty="0" smtClean="0"/>
               <a:t>第四级</a:t>
             </a:r>
-            <a:endParaRPr lang="zh-CN" altLang="en-US" dirty="0" smtClean="0"/>
           </a:p>
         </p:txBody>
       </p:sp>
@@ -5811,6 +5787,12 @@
               </a:rPr>
               <a:t>软件测试实用教程</a:t>
             </a:r>
+            <a:r>
+              <a:rPr lang="en-US" altLang="zh-CN" sz="6000" b="1" dirty="0">
+                <a:ea typeface="华文隶书" panose="02010800040101010101" pitchFamily="2" charset="-122"/>
+              </a:rPr>
+              <a:t/>
+            </a:r>
             <a:br>
               <a:rPr lang="en-US" altLang="zh-CN" sz="6000" b="1" dirty="0">
                 <a:ea typeface="华文隶书" panose="02010800040101010101" pitchFamily="2" charset="-122"/>
@@ -5828,9 +5810,6 @@
               </a:rPr>
               <a:t>方法与实践</a:t>
             </a:r>
-            <a:endParaRPr lang="zh-CN" altLang="en-US" sz="6000" b="1" dirty="0">
-              <a:ea typeface="华文隶书" panose="02010800040101010101" pitchFamily="2" charset="-122"/>
-            </a:endParaRPr>
           </a:p>
         </p:txBody>
       </p:sp>
@@ -5878,10 +5857,6 @@
               </a:rPr>
               <a:t>管理</a:t>
             </a:r>
-            <a:endParaRPr lang="zh-CN" altLang="en-US" sz="4400" dirty="0">
-              <a:latin typeface="华文隶书" panose="02010800040101010101" pitchFamily="2" charset="-122"/>
-              <a:ea typeface="华文隶书" panose="02010800040101010101" pitchFamily="2" charset="-122"/>
-            </a:endParaRPr>
           </a:p>
           <a:p>
             <a:pPr algn="ctr" eaLnBrk="1" hangingPunct="1"/>
@@ -5948,7 +5923,6 @@
               <a:rPr lang="zh-CN" altLang="en-US" dirty="0" smtClean="0"/>
               <a:t>测试用例的管理</a:t>
             </a:r>
-            <a:endParaRPr lang="zh-CN" altLang="en-US" dirty="0" smtClean="0"/>
           </a:p>
         </p:txBody>
       </p:sp>
@@ -5979,7 +5953,6 @@
               <a:rPr lang="zh-CN" altLang="en-US" dirty="0" smtClean="0"/>
               <a:t>若新版本特性无变化，只是出现缺陷被用户发现的情况，此时可以修改测试用例，并给出变更记录。且当前修改的测试用例，对目前和以前的版本都有效</a:t>
             </a:r>
-            <a:endParaRPr lang="zh-CN" altLang="en-US" dirty="0" smtClean="0"/>
           </a:p>
           <a:p>
             <a:pPr lvl="1"/>
@@ -6047,7 +6020,6 @@
               <a:rPr lang="zh-CN" altLang="en-US" dirty="0" smtClean="0"/>
               <a:t>测试用例的管理</a:t>
             </a:r>
-            <a:endParaRPr lang="zh-CN" altLang="en-US" dirty="0" smtClean="0"/>
           </a:p>
         </p:txBody>
       </p:sp>
@@ -6078,7 +6050,6 @@
               <a:rPr lang="zh-CN" altLang="en-US" dirty="0" smtClean="0"/>
               <a:t>若新版本中原有的产品特性发生变化，但属于功能修改，则原有测试用例仅对原版本有效，此时不能修改测试用例，只能增加新的测试用例，新增测试用例仅对当前版本有效</a:t>
             </a:r>
-            <a:endParaRPr lang="zh-CN" altLang="en-US" dirty="0" smtClean="0"/>
           </a:p>
           <a:p>
             <a:pPr lvl="1"/>
@@ -6086,7 +6057,6 @@
               <a:rPr lang="zh-CN" altLang="en-US" dirty="0" smtClean="0"/>
               <a:t>若新版本中原有产品特性发生变化，且属于完全新增的特性，则需针对新增的特性补充新的测试用例，此时，原有测试用例对原版本和当前版本都有效，新增测试用例仅对当前版本有效</a:t>
             </a:r>
-            <a:endParaRPr lang="zh-CN" altLang="en-US" dirty="0" smtClean="0"/>
           </a:p>
         </p:txBody>
       </p:sp>
@@ -6146,7 +6116,6 @@
               <a:rPr lang="zh-CN" altLang="en-US" dirty="0" smtClean="0"/>
               <a:t>测试用例的管理</a:t>
             </a:r>
-            <a:endParaRPr lang="zh-CN" altLang="en-US" dirty="0" smtClean="0"/>
           </a:p>
         </p:txBody>
       </p:sp>
@@ -6169,7 +6138,6 @@
               <a:rPr lang="zh-CN" altLang="en-US" dirty="0" smtClean="0"/>
               <a:t>典型测试用例生命周期</a:t>
             </a:r>
-            <a:endParaRPr lang="zh-CN" altLang="en-US" dirty="0" smtClean="0"/>
           </a:p>
         </p:txBody>
       </p:sp>
@@ -6182,7 +6150,7 @@
           <p:nvPr/>
         </p:nvPicPr>
         <p:blipFill>
-          <a:blip r:embed="rId1" cstate="print">
+          <a:blip r:embed="rId3" cstate="print">
             <a:extLst>
               <a:ext uri="{28A0092B-C50C-407E-A947-70E740481C1C}">
                 <a14:useLocalDpi xmlns:a14="http://schemas.microsoft.com/office/drawing/2010/main" val="0"/>
@@ -6283,7 +6251,6 @@
               <a:rPr lang="zh-CN" altLang="en-US" dirty="0" smtClean="0"/>
               <a:t>软件缺陷的管理</a:t>
             </a:r>
-            <a:endParaRPr lang="zh-CN" altLang="en-US" dirty="0" smtClean="0"/>
           </a:p>
         </p:txBody>
       </p:sp>
@@ -6311,33 +6278,19 @@
               <a:rPr lang="zh-CN" altLang="en-US" dirty="0" smtClean="0"/>
               <a:t>软件缺陷的定义</a:t>
             </a:r>
-            <a:endParaRPr lang="zh-CN" altLang="en-US" dirty="0" smtClean="0"/>
           </a:p>
           <a:p>
             <a:pPr lvl="1"/>
             <a:r>
               <a:rPr lang="zh-CN" altLang="en-US" dirty="0" smtClean="0"/>
-              <a:t>软件未达到需求规格说明书中指明的</a:t>
-            </a:r>
-            <a:r>
-              <a:rPr lang="zh-CN" altLang="en-US" dirty="0" smtClean="0"/>
-              <a:t>功能</a:t>
-            </a:r>
-            <a:endParaRPr lang="zh-CN" altLang="en-US" dirty="0" smtClean="0"/>
+              <a:t>软件未达到需求规格说明书中指明的功能</a:t>
+            </a:r>
           </a:p>
           <a:p>
             <a:pPr lvl="1"/>
             <a:r>
               <a:rPr lang="zh-CN" altLang="en-US" dirty="0" smtClean="0"/>
-              <a:t>软件</a:t>
-            </a:r>
-            <a:r>
-              <a:rPr lang="zh-CN" altLang="en-US" dirty="0" smtClean="0"/>
-              <a:t>功能超出需求规格说明书中指明的</a:t>
-            </a:r>
-            <a:r>
-              <a:rPr lang="zh-CN" altLang="en-US" dirty="0" smtClean="0"/>
-              <a:t>范围</a:t>
+              <a:t>软件功能超出需求规格说明书中指明的范围</a:t>
             </a:r>
             <a:endParaRPr lang="en-US" altLang="zh-CN" dirty="0" smtClean="0"/>
           </a:p>
@@ -6347,23 +6300,13 @@
               <a:rPr lang="zh-CN" altLang="en-US" dirty="0"/>
               <a:t>软件出现了需求规格说明书中指明不应出现的错</a:t>
             </a:r>
-            <a:endParaRPr lang="zh-CN" altLang="en-US" dirty="0"/>
           </a:p>
           <a:p>
             <a:pPr lvl="1"/>
             <a:r>
               <a:rPr lang="zh-CN" altLang="en-US" dirty="0" smtClean="0"/>
-              <a:t>软件</a:t>
-            </a:r>
-            <a:r>
-              <a:rPr lang="zh-CN" altLang="en-US" dirty="0" smtClean="0"/>
-              <a:t>未达到需求规格说明书中虽未指出但应达到的</a:t>
-            </a:r>
-            <a:r>
-              <a:rPr lang="zh-CN" altLang="en-US" dirty="0" smtClean="0"/>
-              <a:t>目标 </a:t>
-            </a:r>
-            <a:endParaRPr lang="zh-CN" altLang="en-US" dirty="0" smtClean="0"/>
+              <a:t>软件未达到需求规格说明书中虽未指出但应达到的目标 </a:t>
+            </a:r>
           </a:p>
           <a:p>
             <a:pPr lvl="1"/>
@@ -6371,13 +6314,7 @@
               <a:rPr lang="zh-CN" altLang="en-US" dirty="0" smtClean="0">
                 <a:sym typeface="+mn-ea"/>
               </a:rPr>
-              <a:t>软件测试员认为软件难以理解、不易使用、运行速度缓慢，或者最终用户认为</a:t>
-            </a:r>
-            <a:r>
-              <a:rPr lang="zh-CN" altLang="en-US" dirty="0" smtClean="0">
-                <a:sym typeface="+mn-ea"/>
-              </a:rPr>
-              <a:t>不好</a:t>
+              <a:t>软件测试员认为软件难以理解、不易使用、运行速度缓慢，或者最终用户认为不好</a:t>
             </a:r>
             <a:endParaRPr lang="zh-CN" altLang="en-US" dirty="0" smtClean="0"/>
           </a:p>
@@ -6445,7 +6382,6 @@
               <a:rPr lang="zh-CN" altLang="en-US" dirty="0"/>
               <a:t>软件缺陷的管理</a:t>
             </a:r>
-            <a:endParaRPr lang="zh-CN" altLang="en-US" dirty="0"/>
           </a:p>
         </p:txBody>
       </p:sp>
@@ -6476,7 +6412,6 @@
               <a:rPr lang="zh-CN" altLang="en-US" dirty="0" smtClean="0"/>
               <a:t>技术问题</a:t>
             </a:r>
-            <a:endParaRPr lang="zh-CN" altLang="en-US" dirty="0" smtClean="0"/>
           </a:p>
           <a:p>
             <a:pPr lvl="2"/>
@@ -6562,7 +6497,6 @@
               <a:rPr lang="zh-CN" altLang="en-US" dirty="0"/>
               <a:t>软件缺陷的管理</a:t>
             </a:r>
-            <a:endParaRPr lang="zh-CN" altLang="en-US" dirty="0"/>
           </a:p>
         </p:txBody>
       </p:sp>
@@ -6594,7 +6528,6 @@
               <a:rPr lang="zh-CN" altLang="en-US" dirty="0"/>
               <a:t>文档错误、用户使用场合</a:t>
             </a:r>
-            <a:endParaRPr lang="zh-CN" altLang="en-US" dirty="0"/>
           </a:p>
           <a:p>
             <a:pPr lvl="2"/>
@@ -6606,7 +6539,6 @@
               <a:rPr lang="zh-CN" altLang="en-US" dirty="0"/>
               <a:t>时间上不协调或不一致性所带来的问题</a:t>
             </a:r>
-            <a:endParaRPr lang="zh-CN" altLang="en-US" dirty="0"/>
           </a:p>
           <a:p>
             <a:endParaRPr lang="zh-CN" altLang="en-US" dirty="0"/>
@@ -6667,7 +6599,6 @@
               <a:rPr lang="zh-CN" altLang="en-US" dirty="0"/>
               <a:t>软件缺陷的管理</a:t>
             </a:r>
-            <a:endParaRPr lang="zh-CN" altLang="en-US" dirty="0"/>
           </a:p>
         </p:txBody>
       </p:sp>
@@ -6690,425 +6621,111 @@
               <a:rPr lang="zh-CN" altLang="en-US" dirty="0" smtClean="0"/>
               <a:t>思考：为什么需求阶段缺陷最多？</a:t>
             </a:r>
-            <a:endParaRPr lang="zh-CN" altLang="en-US" dirty="0" smtClean="0"/>
           </a:p>
           <a:p>
             <a:endParaRPr lang="zh-CN" altLang="en-US" dirty="0"/>
           </a:p>
         </p:txBody>
       </p:sp>
-      <p:grpSp>
-        <p:nvGrpSpPr>
-          <p:cNvPr id="6" name="组合 18"/>
-          <p:cNvGrpSpPr/>
-          <p:nvPr/>
-        </p:nvGrpSpPr>
-        <p:grpSpPr bwMode="auto">
-          <a:xfrm>
-            <a:off x="5537029" y="1556792"/>
-            <a:ext cx="4591419" cy="4251473"/>
-            <a:chOff x="2454275" y="1616075"/>
-            <a:chExt cx="4114800" cy="3975101"/>
-          </a:xfrm>
-        </p:grpSpPr>
-        <p:sp>
-          <p:nvSpPr>
-            <p:cNvPr id="7" name="Oval 5"/>
-            <p:cNvSpPr>
-              <a:spLocks noChangeArrowheads="1"/>
-            </p:cNvSpPr>
-            <p:nvPr/>
-          </p:nvSpPr>
-          <p:spPr bwMode="auto">
-            <a:xfrm>
-              <a:off x="2454275" y="1616075"/>
-              <a:ext cx="4114800" cy="3975101"/>
-            </a:xfrm>
-            <a:prstGeom prst="ellipse">
-              <a:avLst/>
-            </a:prstGeom>
-            <a:solidFill>
-              <a:schemeClr val="accent2">
-                <a:lumMod val="20000"/>
-                <a:lumOff val="80000"/>
-              </a:schemeClr>
-            </a:solidFill>
-            <a:ln w="28575">
-              <a:noFill/>
-              <a:round/>
-            </a:ln>
-            <a:effectLst>
-              <a:outerShdw blurRad="190500" dist="228600" dir="2700000" algn="ctr">
-                <a:srgbClr val="000000">
-                  <a:alpha val="30000"/>
-                </a:srgbClr>
-              </a:outerShdw>
-            </a:effectLst>
-            <a:scene3d>
-              <a:camera prst="orthographicFront">
-                <a:rot lat="0" lon="0" rev="0"/>
-              </a:camera>
-              <a:lightRig rig="glow" dir="t">
-                <a:rot lat="0" lon="0" rev="4800000"/>
-              </a:lightRig>
-            </a:scene3d>
-            <a:sp3d prstMaterial="matte">
-              <a:bevelT w="127000" h="63500"/>
-            </a:sp3d>
-          </p:spPr>
-          <p:txBody>
-            <a:bodyPr/>
-            <a:lstStyle/>
-            <a:p>
-              <a:pPr>
-                <a:defRPr/>
-              </a:pPr>
-              <a:endParaRPr lang="zh-CN" altLang="en-US">
-                <a:effectLst>
-                  <a:reflection blurRad="6350" stA="55000" endA="300" endPos="45500" dir="5400000" sy="-100000" algn="bl" rotWithShape="0"/>
-                </a:effectLst>
-                <a:ea typeface="宋体" panose="02010600030101010101" pitchFamily="2" charset="-122"/>
-              </a:endParaRPr>
-            </a:p>
-          </p:txBody>
-        </p:sp>
-        <p:sp>
-          <p:nvSpPr>
-            <p:cNvPr id="8" name="Line 6"/>
-            <p:cNvSpPr>
-              <a:spLocks noChangeShapeType="1"/>
-            </p:cNvSpPr>
-            <p:nvPr/>
-          </p:nvSpPr>
-          <p:spPr bwMode="auto">
-            <a:xfrm flipH="1">
-              <a:off x="4511675" y="1616075"/>
-              <a:ext cx="128588" cy="2082195"/>
-            </a:xfrm>
-            <a:prstGeom prst="line">
-              <a:avLst/>
-            </a:prstGeom>
-            <a:noFill/>
-            <a:ln w="19050">
-              <a:solidFill>
-                <a:srgbClr val="000080"/>
-              </a:solidFill>
-              <a:round/>
-            </a:ln>
-          </p:spPr>
-          <p:txBody>
-            <a:bodyPr/>
-            <a:lstStyle/>
-            <a:p>
-              <a:endParaRPr lang="zh-CN" altLang="en-US"/>
-            </a:p>
-          </p:txBody>
-        </p:sp>
-        <p:sp>
-          <p:nvSpPr>
-            <p:cNvPr id="9" name="Line 7"/>
-            <p:cNvSpPr>
-              <a:spLocks noChangeShapeType="1"/>
-            </p:cNvSpPr>
-            <p:nvPr/>
-          </p:nvSpPr>
-          <p:spPr bwMode="auto">
-            <a:xfrm flipH="1">
-              <a:off x="3611563" y="3698270"/>
-              <a:ext cx="900113" cy="1703614"/>
-            </a:xfrm>
-            <a:prstGeom prst="line">
-              <a:avLst/>
-            </a:prstGeom>
-            <a:noFill/>
-            <a:ln w="19050">
-              <a:solidFill>
-                <a:srgbClr val="000080"/>
-              </a:solidFill>
-              <a:round/>
-            </a:ln>
-          </p:spPr>
-          <p:txBody>
-            <a:bodyPr/>
-            <a:lstStyle/>
-            <a:p>
-              <a:endParaRPr lang="zh-CN" altLang="en-US"/>
-            </a:p>
-          </p:txBody>
-        </p:sp>
-        <p:sp>
-          <p:nvSpPr>
-            <p:cNvPr id="10" name="Line 8"/>
-            <p:cNvSpPr>
-              <a:spLocks noChangeShapeType="1"/>
-            </p:cNvSpPr>
-            <p:nvPr/>
-          </p:nvSpPr>
-          <p:spPr bwMode="auto">
-            <a:xfrm flipH="1" flipV="1">
-              <a:off x="2582863" y="2941108"/>
-              <a:ext cx="1928813" cy="757162"/>
-            </a:xfrm>
-            <a:prstGeom prst="line">
-              <a:avLst/>
-            </a:prstGeom>
-            <a:noFill/>
-            <a:ln w="19050">
-              <a:solidFill>
-                <a:srgbClr val="000080"/>
-              </a:solidFill>
-              <a:round/>
-            </a:ln>
-          </p:spPr>
-          <p:txBody>
-            <a:bodyPr/>
-            <a:lstStyle/>
-            <a:p>
-              <a:endParaRPr lang="zh-CN" altLang="en-US"/>
-            </a:p>
-          </p:txBody>
-        </p:sp>
-        <p:sp>
-          <p:nvSpPr>
-            <p:cNvPr id="11" name="Line 9"/>
-            <p:cNvSpPr>
-              <a:spLocks noChangeShapeType="1"/>
-            </p:cNvSpPr>
-            <p:nvPr/>
-          </p:nvSpPr>
-          <p:spPr bwMode="auto">
-            <a:xfrm flipH="1" flipV="1">
-              <a:off x="3354388" y="1994656"/>
-              <a:ext cx="1157288" cy="1703614"/>
-            </a:xfrm>
-            <a:prstGeom prst="line">
-              <a:avLst/>
-            </a:prstGeom>
-            <a:noFill/>
-            <a:ln w="19050">
-              <a:solidFill>
-                <a:srgbClr val="000080"/>
-              </a:solidFill>
-              <a:round/>
-            </a:ln>
-          </p:spPr>
-          <p:txBody>
-            <a:bodyPr/>
-            <a:lstStyle/>
-            <a:p>
-              <a:endParaRPr lang="zh-CN" altLang="en-US"/>
-            </a:p>
-          </p:txBody>
-        </p:sp>
-        <p:sp>
-          <p:nvSpPr>
-            <p:cNvPr id="12" name="Text Box 10"/>
-            <p:cNvSpPr txBox="1">
-              <a:spLocks noChangeArrowheads="1"/>
-            </p:cNvSpPr>
-            <p:nvPr/>
-          </p:nvSpPr>
-          <p:spPr bwMode="auto">
-            <a:xfrm>
-              <a:off x="3773215" y="1626996"/>
-              <a:ext cx="642938" cy="757162"/>
-            </a:xfrm>
-            <a:prstGeom prst="rect">
-              <a:avLst/>
-            </a:prstGeom>
-            <a:noFill/>
-            <a:ln w="9525">
-              <a:noFill/>
-              <a:miter lim="800000"/>
-            </a:ln>
-          </p:spPr>
-          <p:txBody>
-            <a:bodyPr lIns="0" tIns="0" rIns="0" bIns="0"/>
-            <a:lstStyle/>
-            <a:p>
-              <a:endParaRPr lang="zh-CN" altLang="en-US" b="1" dirty="0">
-                <a:solidFill>
-                  <a:schemeClr val="bg2"/>
-                </a:solidFill>
-                <a:ea typeface="宋体" panose="02010600030101010101" pitchFamily="2" charset="-122"/>
-              </a:endParaRPr>
-            </a:p>
-            <a:p>
-              <a:pPr algn="ctr"/>
-              <a:r>
-                <a:rPr lang="zh-CN" altLang="en-US" b="1" dirty="0">
-                  <a:ea typeface="宋体" panose="02010600030101010101" pitchFamily="2" charset="-122"/>
-                </a:rPr>
-                <a:t>其  他</a:t>
-              </a:r>
-              <a:endParaRPr lang="zh-CN" altLang="en-US" b="1" dirty="0">
-                <a:ea typeface="宋体" panose="02010600030101010101" pitchFamily="2" charset="-122"/>
-              </a:endParaRPr>
-            </a:p>
-            <a:p>
-              <a:pPr algn="ctr"/>
-              <a:r>
-                <a:rPr lang="zh-CN" altLang="en-US" b="1" dirty="0">
-                  <a:ea typeface="宋体" panose="02010600030101010101" pitchFamily="2" charset="-122"/>
-                </a:rPr>
-                <a:t>10%</a:t>
-              </a:r>
-              <a:endParaRPr lang="zh-CN" altLang="en-US" b="1" dirty="0">
-                <a:ea typeface="宋体" panose="02010600030101010101" pitchFamily="2" charset="-122"/>
-              </a:endParaRPr>
-            </a:p>
-          </p:txBody>
-        </p:sp>
-        <p:sp>
-          <p:nvSpPr>
-            <p:cNvPr id="13" name="Text Box 11"/>
-            <p:cNvSpPr txBox="1">
-              <a:spLocks noChangeArrowheads="1"/>
-            </p:cNvSpPr>
-            <p:nvPr/>
-          </p:nvSpPr>
-          <p:spPr bwMode="auto">
-            <a:xfrm>
-              <a:off x="4768850" y="3168014"/>
-              <a:ext cx="1617753" cy="1325033"/>
-            </a:xfrm>
-            <a:prstGeom prst="rect">
-              <a:avLst/>
-            </a:prstGeom>
-            <a:noFill/>
-            <a:ln w="9525">
-              <a:noFill/>
-              <a:miter lim="800000"/>
-            </a:ln>
-          </p:spPr>
-          <p:txBody>
-            <a:bodyPr lIns="0" tIns="0" rIns="0" bIns="0"/>
-            <a:lstStyle/>
-            <a:p>
-              <a:pPr algn="ctr"/>
-              <a:r>
-                <a:rPr lang="zh-CN" altLang="en-US" b="1" dirty="0">
-                  <a:ea typeface="宋体" panose="02010600030101010101" pitchFamily="2" charset="-122"/>
-                </a:rPr>
-                <a:t>软件产品说明书（需求）</a:t>
-              </a:r>
-              <a:endParaRPr lang="zh-CN" altLang="en-US" b="1" dirty="0">
-                <a:ea typeface="宋体" panose="02010600030101010101" pitchFamily="2" charset="-122"/>
-              </a:endParaRPr>
-            </a:p>
-            <a:p>
-              <a:pPr algn="ctr"/>
-              <a:r>
-                <a:rPr lang="zh-CN" altLang="en-US" b="1" dirty="0">
-                  <a:ea typeface="宋体" panose="02010600030101010101" pitchFamily="2" charset="-122"/>
-                </a:rPr>
-                <a:t>56%</a:t>
-              </a:r>
-              <a:endParaRPr lang="zh-CN" altLang="en-US" b="1" dirty="0">
-                <a:ea typeface="宋体" panose="02010600030101010101" pitchFamily="2" charset="-122"/>
-              </a:endParaRPr>
-            </a:p>
-          </p:txBody>
-        </p:sp>
-        <p:sp>
-          <p:nvSpPr>
-            <p:cNvPr id="14" name="Text Box 12"/>
-            <p:cNvSpPr txBox="1">
-              <a:spLocks noChangeArrowheads="1"/>
-            </p:cNvSpPr>
-            <p:nvPr/>
-          </p:nvSpPr>
-          <p:spPr bwMode="auto">
-            <a:xfrm>
-              <a:off x="2711450" y="2308927"/>
-              <a:ext cx="1157288" cy="946452"/>
-            </a:xfrm>
-            <a:prstGeom prst="rect">
-              <a:avLst/>
-            </a:prstGeom>
-            <a:noFill/>
-            <a:ln w="9525">
-              <a:noFill/>
-              <a:miter lim="800000"/>
-            </a:ln>
-          </p:spPr>
-          <p:txBody>
-            <a:bodyPr lIns="0" tIns="0" rIns="0" bIns="0"/>
-            <a:lstStyle/>
-            <a:p>
-              <a:endParaRPr lang="zh-CN" altLang="en-US" b="1" dirty="0">
-                <a:solidFill>
-                  <a:schemeClr val="bg2"/>
-                </a:solidFill>
-                <a:ea typeface="宋体" panose="02010600030101010101" pitchFamily="2" charset="-122"/>
-              </a:endParaRPr>
-            </a:p>
-            <a:p>
-              <a:pPr algn="ctr"/>
-              <a:r>
-                <a:rPr lang="zh-CN" altLang="en-US" b="1" dirty="0">
-                  <a:ea typeface="宋体" panose="02010600030101010101" pitchFamily="2" charset="-122"/>
-                </a:rPr>
-                <a:t>编写代码</a:t>
-              </a:r>
-              <a:endParaRPr lang="zh-CN" altLang="en-US" b="1" dirty="0">
-                <a:ea typeface="宋体" panose="02010600030101010101" pitchFamily="2" charset="-122"/>
-              </a:endParaRPr>
-            </a:p>
-            <a:p>
-              <a:pPr algn="ctr"/>
-              <a:r>
-                <a:rPr lang="zh-CN" altLang="en-US" b="1" dirty="0">
-                  <a:ea typeface="宋体" panose="02010600030101010101" pitchFamily="2" charset="-122"/>
-                </a:rPr>
-                <a:t>7%</a:t>
-              </a:r>
-              <a:endParaRPr lang="zh-CN" altLang="en-US" b="1" dirty="0">
-                <a:ea typeface="宋体" panose="02010600030101010101" pitchFamily="2" charset="-122"/>
-              </a:endParaRPr>
-            </a:p>
-          </p:txBody>
-        </p:sp>
-        <p:sp>
-          <p:nvSpPr>
-            <p:cNvPr id="15" name="Text Box 13"/>
-            <p:cNvSpPr txBox="1">
-              <a:spLocks noChangeArrowheads="1"/>
-            </p:cNvSpPr>
-            <p:nvPr/>
-          </p:nvSpPr>
-          <p:spPr bwMode="auto">
-            <a:xfrm>
-              <a:off x="3097213" y="3887561"/>
-              <a:ext cx="642938" cy="757162"/>
-            </a:xfrm>
-            <a:prstGeom prst="rect">
-              <a:avLst/>
-            </a:prstGeom>
-            <a:noFill/>
-            <a:ln w="9525">
-              <a:noFill/>
-              <a:miter lim="800000"/>
-            </a:ln>
-          </p:spPr>
-          <p:txBody>
-            <a:bodyPr lIns="0" tIns="0" rIns="0" bIns="0"/>
-            <a:lstStyle/>
-            <a:p>
-              <a:pPr algn="ctr"/>
-              <a:r>
-                <a:rPr lang="zh-CN" altLang="en-US" b="1" dirty="0">
-                  <a:ea typeface="宋体" panose="02010600030101010101" pitchFamily="2" charset="-122"/>
-                </a:rPr>
-                <a:t>设  计27%</a:t>
-              </a:r>
-              <a:endParaRPr lang="zh-CN" altLang="en-US" b="1" dirty="0">
-                <a:ea typeface="宋体" panose="02010600030101010101" pitchFamily="2" charset="-122"/>
-              </a:endParaRPr>
-            </a:p>
-          </p:txBody>
-        </p:sp>
-      </p:grpSp>
+      <p:graphicFrame>
+        <p:nvGraphicFramePr>
+          <p:cNvPr id="2" name="对象 1"/>
+          <p:cNvGraphicFramePr>
+            <a:graphicFrameLocks noChangeAspect="1"/>
+          </p:cNvGraphicFramePr>
+          <p:nvPr>
+            <p:extLst>
+              <p:ext uri="{D42A27DB-BD31-4B8C-83A1-F6EECF244321}">
+                <p14:modId xmlns:p14="http://schemas.microsoft.com/office/powerpoint/2010/main" val="3688387452"/>
+              </p:ext>
+            </p:extLst>
+          </p:nvPr>
+        </p:nvGraphicFramePr>
+        <p:xfrm>
+          <a:off x="2855640" y="1988840"/>
+          <a:ext cx="8215312" cy="4525962"/>
+        </p:xfrm>
+        <a:graphic>
+          <a:graphicData uri="http://schemas.openxmlformats.org/presentationml/2006/ole">
+            <mc:AlternateContent xmlns:mc="http://schemas.openxmlformats.org/markup-compatibility/2006">
+              <mc:Choice xmlns:v="urn:schemas-microsoft-com:vml" Requires="v">
+                <p:oleObj spid="_x0000_s1027" name="图表" r:id="rId3" imgW="8229835" imgH="4534017" progId="MSGraph.Chart.8">
+                  <p:embed followColorScheme="full"/>
+                </p:oleObj>
+              </mc:Choice>
+              <mc:Fallback>
+                <p:oleObj name="图表" r:id="rId3" imgW="8229835" imgH="4534017" progId="MSGraph.Chart.8">
+                  <p:embed followColorScheme="full"/>
+                  <p:pic>
+                    <p:nvPicPr>
+                      <p:cNvPr id="0" name="Object 4"/>
+                      <p:cNvPicPr>
+                        <a:picLocks noChangeAspect="1" noChangeArrowheads="1"/>
+                      </p:cNvPicPr>
+                      <p:nvPr/>
+                    </p:nvPicPr>
+                    <p:blipFill>
+                      <a:blip r:embed="rId4">
+                        <a:extLst>
+                          <a:ext uri="{28A0092B-C50C-407E-A947-70E740481C1C}">
+                            <a14:useLocalDpi xmlns:a14="http://schemas.microsoft.com/office/drawing/2010/main" val="0"/>
+                          </a:ext>
+                        </a:extLst>
+                      </a:blip>
+                      <a:srcRect/>
+                      <a:stretch>
+                        <a:fillRect/>
+                      </a:stretch>
+                    </p:blipFill>
+                    <p:spPr bwMode="auto">
+                      <a:xfrm>
+                        <a:off x="2855640" y="1988840"/>
+                        <a:ext cx="8215312" cy="4525962"/>
+                      </a:xfrm>
+                      <a:prstGeom prst="rect">
+                        <a:avLst/>
+                      </a:prstGeom>
+                      <a:noFill/>
+                      <a:ln>
+                        <a:noFill/>
+                      </a:ln>
+                      <a:effectLst/>
+                      <a:extLst>
+                        <a:ext uri="{909E8E84-426E-40DD-AFC4-6F175D3DCCD1}">
+                          <a14:hiddenFill xmlns:a14="http://schemas.microsoft.com/office/drawing/2010/main">
+                            <a:solidFill>
+                              <a:schemeClr val="accent1"/>
+                            </a:solidFill>
+                          </a14:hiddenFill>
+                        </a:ext>
+                        <a:ext uri="{91240B29-F687-4F45-9708-019B960494DF}">
+                          <a14:hiddenLine xmlns:a14="http://schemas.microsoft.com/office/drawing/2010/main" w="9525">
+                            <a:solidFill>
+                              <a:schemeClr val="tx1"/>
+                            </a:solidFill>
+                            <a:miter lim="800000"/>
+                            <a:headEnd/>
+                            <a:tailEnd/>
+                          </a14:hiddenLine>
+                        </a:ext>
+                        <a:ext uri="{AF507438-7753-43E0-B8FC-AC1667EBCBE1}">
+                          <a14:hiddenEffects xmlns:a14="http://schemas.microsoft.com/office/drawing/2010/main">
+                            <a:effectLst>
+                              <a:outerShdw dist="35921" dir="2700000" algn="ctr" rotWithShape="0">
+                                <a:schemeClr val="bg2"/>
+                              </a:outerShdw>
+                            </a:effectLst>
+                          </a14:hiddenEffects>
+                        </a:ext>
+                      </a:extLst>
+                    </p:spPr>
+                  </p:pic>
+                </p:oleObj>
+              </mc:Fallback>
+            </mc:AlternateContent>
+          </a:graphicData>
+        </a:graphic>
+      </p:graphicFrame>
     </p:spTree>
   </p:cSld>
   <p:clrMapOvr>
@@ -7292,7 +6909,6 @@
               <a:rPr lang="zh-CN" altLang="en-US" dirty="0"/>
               <a:t>软件缺陷的管理</a:t>
             </a:r>
-            <a:endParaRPr lang="zh-CN" altLang="en-US" dirty="0"/>
           </a:p>
         </p:txBody>
       </p:sp>
@@ -7390,6 +7006,7 @@
             </a:pPr>
             <a:fld id="{CB6A985E-BE02-4E5A-8B89-C24F6CB4E833}" type="slidenum">
               <a:rPr lang="en-US" altLang="zh-CN" smtClean="0"/>
+              <a:t>17</a:t>
             </a:fld>
             <a:endParaRPr lang="en-US" altLang="zh-CN"/>
           </a:p>
@@ -7449,7 +7066,6 @@
               <a:rPr lang="zh-CN" altLang="en-US" dirty="0"/>
               <a:t>软件缺陷的管理</a:t>
             </a:r>
-            <a:endParaRPr lang="zh-CN" altLang="en-US" dirty="0"/>
           </a:p>
         </p:txBody>
       </p:sp>
@@ -7476,11 +7092,7 @@
             <a:pPr lvl="1"/>
             <a:r>
               <a:rPr lang="zh-CN" altLang="en-US" dirty="0" smtClean="0"/>
-              <a:t>软件在从需求、设计、编码、测试一直到交付用户公开使用后的过程中，都有可能产生和发现</a:t>
-            </a:r>
-            <a:r>
-              <a:rPr lang="zh-CN" altLang="en-US" dirty="0" smtClean="0"/>
-              <a:t>缺陷</a:t>
+              <a:t>软件在从需求、设计、编码、测试一直到交付用户公开使用后的过程中，都有可能产生和发现缺陷</a:t>
             </a:r>
             <a:endParaRPr lang="en-US" altLang="zh-CN" dirty="0" smtClean="0"/>
           </a:p>
@@ -7488,13 +7100,8 @@
             <a:pPr lvl="1"/>
             <a:r>
               <a:rPr lang="zh-CN" altLang="en-US" dirty="0" smtClean="0"/>
-              <a:t>随着整个开发过程的时间推移，更正缺陷或修复问题的费用呈几何级数</a:t>
-            </a:r>
-            <a:r>
-              <a:rPr lang="zh-CN" altLang="en-US" dirty="0" smtClean="0"/>
-              <a:t>增长</a:t>
-            </a:r>
-            <a:endParaRPr lang="zh-CN" altLang="en-US" dirty="0" smtClean="0"/>
+              <a:t>随着整个开发过程的时间推移，更正缺陷或修复问题的费用呈几何级数增长</a:t>
+            </a:r>
           </a:p>
           <a:p>
             <a:endParaRPr lang="zh-CN" altLang="en-US" dirty="0"/>
@@ -9869,10 +9476,6 @@
                 </a:rPr>
                 <a:t>编制说明书</a:t>
               </a:r>
-              <a:endParaRPr lang="zh-CN" altLang="en-US" sz="2000" b="1" dirty="0">
-                <a:latin typeface="楷体" panose="02010609060101010101" pitchFamily="49" charset="-122"/>
-                <a:ea typeface="楷体" panose="02010609060101010101" pitchFamily="49" charset="-122"/>
-              </a:endParaRPr>
             </a:p>
           </p:txBody>
         </p:sp>
@@ -9912,10 +9515,6 @@
                 </a:rPr>
                 <a:t>设计阶段</a:t>
               </a:r>
-              <a:endParaRPr lang="zh-CN" altLang="en-US" sz="2000" b="1" dirty="0">
-                <a:latin typeface="楷体" panose="02010609060101010101" pitchFamily="49" charset="-122"/>
-                <a:ea typeface="楷体" panose="02010609060101010101" pitchFamily="49" charset="-122"/>
-              </a:endParaRPr>
             </a:p>
           </p:txBody>
         </p:sp>
@@ -9955,10 +9554,6 @@
                 </a:rPr>
                 <a:t>编写代码</a:t>
               </a:r>
-              <a:endParaRPr lang="zh-CN" altLang="en-US" sz="2000" b="1" dirty="0">
-                <a:latin typeface="楷体" panose="02010609060101010101" pitchFamily="49" charset="-122"/>
-                <a:ea typeface="楷体" panose="02010609060101010101" pitchFamily="49" charset="-122"/>
-              </a:endParaRPr>
             </a:p>
           </p:txBody>
         </p:sp>
@@ -9998,10 +9593,6 @@
                 </a:rPr>
                 <a:t>测试</a:t>
               </a:r>
-              <a:endParaRPr lang="zh-CN" altLang="en-US" sz="2000" b="1" dirty="0">
-                <a:latin typeface="楷体" panose="02010609060101010101" pitchFamily="49" charset="-122"/>
-                <a:ea typeface="楷体" panose="02010609060101010101" pitchFamily="49" charset="-122"/>
-              </a:endParaRPr>
             </a:p>
           </p:txBody>
         </p:sp>
@@ -10041,10 +9632,6 @@
                 </a:rPr>
                 <a:t>发布</a:t>
               </a:r>
-              <a:endParaRPr lang="zh-CN" altLang="en-US" sz="2000" b="1" dirty="0">
-                <a:latin typeface="楷体" panose="02010609060101010101" pitchFamily="49" charset="-122"/>
-                <a:ea typeface="楷体" panose="02010609060101010101" pitchFamily="49" charset="-122"/>
-              </a:endParaRPr>
             </a:p>
           </p:txBody>
         </p:sp>
@@ -10384,7 +9971,7 @@
             </a:pathLst>
           </a:custGeom>
           <a:blipFill dpi="0" rotWithShape="1">
-            <a:blip r:embed="rId1" cstate="print"/>
+            <a:blip r:embed="rId3" cstate="print"/>
             <a:srcRect/>
             <a:tile tx="0" ty="0" sx="100000" sy="100000" flip="none" algn="tl"/>
           </a:blipFill>
@@ -10472,13 +10059,6 @@
               </a:rPr>
               <a:t>需求评审很重要！</a:t>
             </a:r>
-            <a:endParaRPr lang="zh-CN" altLang="en-US" sz="2400" b="1" dirty="0">
-              <a:solidFill>
-                <a:srgbClr val="6666FF"/>
-              </a:solidFill>
-              <a:latin typeface="微软雅黑" panose="020B0503020204020204" charset="-122"/>
-              <a:ea typeface="微软雅黑" panose="020B0503020204020204" charset="-122"/>
-            </a:endParaRPr>
           </a:p>
           <a:p>
             <a:pPr marL="114300" indent="-114300">
@@ -10500,13 +10080,6 @@
               </a:rPr>
               <a:t>                          设计评审不可少！</a:t>
             </a:r>
-            <a:endParaRPr lang="zh-CN" altLang="en-US" sz="2400" b="1" dirty="0">
-              <a:solidFill>
-                <a:srgbClr val="6666FF"/>
-              </a:solidFill>
-              <a:latin typeface="微软雅黑" panose="020B0503020204020204" charset="-122"/>
-              <a:ea typeface="微软雅黑" panose="020B0503020204020204" charset="-122"/>
-            </a:endParaRPr>
           </a:p>
           <a:p>
             <a:pPr marL="114300" indent="-114300">
@@ -10528,13 +10101,6 @@
               </a:rPr>
               <a:t>                          文档更新要及时！</a:t>
             </a:r>
-            <a:endParaRPr lang="zh-CN" altLang="en-US" sz="2400" b="1" dirty="0">
-              <a:solidFill>
-                <a:srgbClr val="6666FF"/>
-              </a:solidFill>
-              <a:latin typeface="微软雅黑" panose="020B0503020204020204" charset="-122"/>
-              <a:ea typeface="微软雅黑" panose="020B0503020204020204" charset="-122"/>
-            </a:endParaRPr>
           </a:p>
           <a:p>
             <a:pPr marL="114300" indent="-114300">
@@ -10556,13 +10122,6 @@
               </a:rPr>
               <a:t>                          开发测试要思考！</a:t>
             </a:r>
-            <a:endParaRPr lang="zh-CN" altLang="en-US" sz="2400" b="1" dirty="0">
-              <a:solidFill>
-                <a:srgbClr val="6666FF"/>
-              </a:solidFill>
-              <a:latin typeface="微软雅黑" panose="020B0503020204020204" charset="-122"/>
-              <a:ea typeface="微软雅黑" panose="020B0503020204020204" charset="-122"/>
-            </a:endParaRPr>
           </a:p>
         </p:txBody>
       </p:sp>
@@ -10585,7 +10144,6 @@
               <a:rPr lang="zh-CN" altLang="en-US" dirty="0"/>
               <a:t>软件缺陷的管理</a:t>
             </a:r>
-            <a:endParaRPr lang="zh-CN" altLang="en-US" dirty="0"/>
           </a:p>
         </p:txBody>
       </p:sp>
@@ -10648,7 +10206,6 @@
               <a:rPr lang="zh-CN" altLang="en-US" b="1" smtClean="0"/>
               <a:t>第10章  测试过程管理</a:t>
             </a:r>
-            <a:endParaRPr lang="zh-CN" altLang="en-US" b="1" smtClean="0"/>
           </a:p>
         </p:txBody>
       </p:sp>
@@ -10672,7 +10229,6 @@
               <a:rPr lang="zh-CN" altLang="en-US" sz="3400"/>
               <a:t>内容提要</a:t>
             </a:r>
-            <a:endParaRPr lang="zh-CN" altLang="en-US" sz="3400"/>
           </a:p>
           <a:p>
             <a:pPr lvl="1" eaLnBrk="1" hangingPunct="1"/>
@@ -10688,7 +10244,6 @@
               <a:rPr lang="zh-CN" altLang="en-US" b="1" smtClean="0"/>
               <a:t>并从管理和规范的角度，从测试用例管理、缺陷管理和测试团队管理三方面分别讨论如何在开展软件测试工作的过程中将这些对象管理好</a:t>
             </a:r>
-            <a:endParaRPr lang="zh-CN" altLang="en-US" b="1" smtClean="0"/>
           </a:p>
         </p:txBody>
       </p:sp>
@@ -10748,7 +10303,6 @@
               <a:rPr lang="zh-CN" altLang="en-US" dirty="0" smtClean="0"/>
               <a:t>软件缺陷的管理</a:t>
             </a:r>
-            <a:endParaRPr lang="zh-CN" altLang="en-US" dirty="0" smtClean="0"/>
           </a:p>
         </p:txBody>
       </p:sp>
@@ -10777,25 +10331,15 @@
             <a:pPr lvl="1"/>
             <a:r>
               <a:rPr lang="zh-CN" altLang="en-US" dirty="0" smtClean="0"/>
-              <a:t>缺陷管理：是在软件生命周期中识别和管理缺陷的过程（从缺陷的识别到缺陷的解决关闭），确保缺陷被跟踪管理而不</a:t>
-            </a:r>
-            <a:r>
-              <a:rPr lang="zh-CN" altLang="en-US" dirty="0" smtClean="0"/>
-              <a:t>丢失</a:t>
-            </a:r>
-            <a:endParaRPr lang="zh-CN" altLang="en-US" dirty="0" smtClean="0"/>
+              <a:t>缺陷管理：是在软件生命周期中识别和管理缺陷的过程（从缺陷的识别到缺陷的解决关闭），确保缺陷被跟踪管理而不丢失</a:t>
+            </a:r>
           </a:p>
           <a:p>
             <a:pPr lvl="1"/>
             <a:r>
               <a:rPr lang="zh-CN" altLang="en-US" dirty="0" smtClean="0"/>
-              <a:t>一般的，需要跟踪管理工具来帮助进行缺陷的全流程</a:t>
-            </a:r>
-            <a:r>
-              <a:rPr lang="zh-CN" altLang="en-US" dirty="0" smtClean="0"/>
-              <a:t>管理 </a:t>
-            </a:r>
-            <a:endParaRPr lang="zh-CN" altLang="en-US" dirty="0" smtClean="0"/>
+              <a:t>一般的，需要跟踪管理工具来帮助进行缺陷的全流程管理 </a:t>
+            </a:r>
           </a:p>
           <a:p>
             <a:pPr lvl="1"/>
@@ -10985,7 +10529,6 @@
               <a:rPr lang="zh-CN" altLang="en-US" dirty="0" smtClean="0"/>
               <a:t>软件缺陷的管理</a:t>
             </a:r>
-            <a:endParaRPr lang="zh-CN" altLang="en-US" dirty="0" smtClean="0"/>
           </a:p>
         </p:txBody>
       </p:sp>
@@ -11016,7 +10559,6 @@
               <a:rPr lang="zh-CN" altLang="en-US" smtClean="0"/>
               <a:t>缺陷的属性</a:t>
             </a:r>
-            <a:endParaRPr lang="zh-CN" altLang="en-US" smtClean="0"/>
           </a:p>
           <a:p>
             <a:pPr lvl="1"/>
@@ -11024,7 +10566,6 @@
               <a:rPr lang="zh-CN" altLang="en-US" smtClean="0"/>
               <a:t>缺陷报告</a:t>
             </a:r>
-            <a:endParaRPr lang="zh-CN" altLang="en-US" smtClean="0"/>
           </a:p>
           <a:p>
             <a:pPr lvl="1"/>
@@ -11032,7 +10573,6 @@
               <a:rPr lang="zh-CN" altLang="en-US" smtClean="0"/>
               <a:t>缺陷跟踪和管理 </a:t>
             </a:r>
-            <a:endParaRPr lang="zh-CN" altLang="en-US" smtClean="0"/>
           </a:p>
           <a:p>
             <a:endParaRPr lang="zh-CN" altLang="en-US" dirty="0"/>
@@ -11095,7 +10635,6 @@
               <a:rPr lang="zh-CN" altLang="en-US" dirty="0" smtClean="0"/>
               <a:t>软件缺陷的管理</a:t>
             </a:r>
-            <a:endParaRPr lang="zh-CN" altLang="en-US" dirty="0" smtClean="0"/>
           </a:p>
         </p:txBody>
       </p:sp>
@@ -11147,7 +10686,6 @@
               <a:rPr lang="zh-CN" altLang="en-US" dirty="0" smtClean="0"/>
               <a:t>可重现性</a:t>
             </a:r>
-            <a:endParaRPr lang="zh-CN" altLang="en-US" dirty="0" smtClean="0"/>
           </a:p>
           <a:p>
             <a:pPr marL="471170" lvl="1" indent="0">
@@ -11155,11 +10693,7 @@
             </a:pPr>
             <a:r>
               <a:rPr lang="zh-CN" altLang="en-US" dirty="0" smtClean="0"/>
-              <a:t>    在有限的时间和成本的压力下，测试人员需要根据这些属性，给缺陷打上不同的标签，才能保证开发人员在最短的时间内、以最安全的方式处理所有发现的缺陷，使得产品发布时的风险</a:t>
-            </a:r>
-            <a:r>
-              <a:rPr lang="zh-CN" altLang="en-US" dirty="0" smtClean="0"/>
-              <a:t>最低</a:t>
+              <a:t>    在有限的时间和成本的压力下，测试人员需要根据这些属性，给缺陷打上不同的标签，才能保证开发人员在最短的时间内、以最安全的方式处理所有发现的缺陷，使得产品发布时的风险最低</a:t>
             </a:r>
             <a:endParaRPr lang="en-US" altLang="zh-CN" dirty="0" smtClean="0"/>
           </a:p>
@@ -11225,7 +10759,6 @@
               <a:rPr lang="zh-CN" altLang="en-US" dirty="0" smtClean="0"/>
               <a:t>软件缺陷的管理</a:t>
             </a:r>
-            <a:endParaRPr lang="zh-CN" altLang="en-US" dirty="0" smtClean="0"/>
           </a:p>
         </p:txBody>
       </p:sp>
@@ -11259,11 +10792,7 @@
             <a:pPr lvl="1"/>
             <a:r>
               <a:rPr lang="zh-CN" altLang="en-US" dirty="0" smtClean="0"/>
-              <a:t>指缺陷对被测系统造成的破坏程度的大小，它可能是即时的破坏，也可能是一段时间之后对系统带来的</a:t>
-            </a:r>
-            <a:r>
-              <a:rPr lang="zh-CN" altLang="en-US" dirty="0" smtClean="0"/>
-              <a:t>毁坏</a:t>
+              <a:t>指缺陷对被测系统造成的破坏程度的大小，它可能是即时的破坏，也可能是一段时间之后对系统带来的毁坏</a:t>
             </a:r>
             <a:endParaRPr lang="en-US" altLang="zh-CN" dirty="0" smtClean="0"/>
           </a:p>
@@ -11325,7 +10854,6 @@
               <a:rPr lang="zh-CN" altLang="en-US" dirty="0" smtClean="0"/>
               <a:t>软件缺陷的管理</a:t>
             </a:r>
-            <a:endParaRPr lang="zh-CN" altLang="en-US" dirty="0" smtClean="0"/>
           </a:p>
         </p:txBody>
       </p:sp>
@@ -11494,7 +11022,6 @@
               <a:rPr lang="zh-CN" altLang="en-US" dirty="0" smtClean="0"/>
               <a:t>软件缺陷的管理</a:t>
             </a:r>
-            <a:endParaRPr lang="zh-CN" altLang="en-US" dirty="0" smtClean="0"/>
           </a:p>
         </p:txBody>
       </p:sp>
@@ -11601,7 +11128,6 @@
               <a:rPr lang="zh-CN" altLang="en-US" dirty="0" smtClean="0"/>
               <a:t>软件缺陷的管理</a:t>
             </a:r>
-            <a:endParaRPr lang="zh-CN" altLang="en-US" dirty="0" smtClean="0"/>
           </a:p>
         </p:txBody>
       </p:sp>
@@ -11766,7 +11292,6 @@
               <a:rPr lang="zh-CN" altLang="en-US" dirty="0" smtClean="0"/>
               <a:t>软件缺陷的管理</a:t>
             </a:r>
-            <a:endParaRPr lang="zh-CN" altLang="en-US" dirty="0" smtClean="0"/>
           </a:p>
         </p:txBody>
       </p:sp>
@@ -11797,7 +11322,6 @@
               <a:rPr lang="zh-CN" altLang="en-US" dirty="0" smtClean="0"/>
               <a:t>严重性高的的缺陷通常指定高优先级</a:t>
             </a:r>
-            <a:endParaRPr lang="zh-CN" altLang="en-US" dirty="0" smtClean="0"/>
           </a:p>
           <a:p>
             <a:pPr lvl="1"/>
@@ -11865,7 +11389,6 @@
               <a:rPr lang="zh-CN" altLang="en-US" dirty="0" smtClean="0"/>
               <a:t>软件缺陷的管理</a:t>
             </a:r>
-            <a:endParaRPr lang="zh-CN" altLang="en-US" dirty="0" smtClean="0"/>
           </a:p>
         </p:txBody>
       </p:sp>
@@ -11910,11 +11433,7 @@
             <a:pPr lvl="1"/>
             <a:r>
               <a:rPr lang="zh-CN" altLang="zh-CN" dirty="0" smtClean="0"/>
-              <a:t>无法重现的缺陷对开发人员是无意义的，因为无法对缺陷进行定位，意味着无法修复该</a:t>
-            </a:r>
-            <a:r>
-              <a:rPr lang="zh-CN" altLang="zh-CN" dirty="0" smtClean="0"/>
-              <a:t>缺陷</a:t>
+              <a:t>无法重现的缺陷对开发人员是无意义的，因为无法对缺陷进行定位，意味着无法修复该缺陷</a:t>
             </a:r>
             <a:endParaRPr lang="en-US" altLang="zh-CN" dirty="0" smtClean="0"/>
           </a:p>
@@ -11976,7 +11495,6 @@
               <a:rPr lang="zh-CN" altLang="en-US" dirty="0" smtClean="0"/>
               <a:t>软件缺陷的管理</a:t>
             </a:r>
-            <a:endParaRPr lang="zh-CN" altLang="en-US" dirty="0" smtClean="0"/>
           </a:p>
         </p:txBody>
       </p:sp>
@@ -12110,34 +11628,33 @@
           <a:lstStyle/>
           <a:p>
             <a:r>
-              <a:rPr lang="zh-CN" altLang="en-US" smtClean="0"/>
+              <a:rPr lang="zh-CN" altLang="en-US" dirty="0" smtClean="0"/>
               <a:t>本章重点</a:t>
             </a:r>
-            <a:endParaRPr lang="zh-CN" altLang="en-US" smtClean="0"/>
           </a:p>
           <a:p>
             <a:pPr lvl="1"/>
             <a:r>
-              <a:rPr lang="zh-CN" altLang="en-US" smtClean="0"/>
+              <a:rPr lang="zh-CN" altLang="en-US" dirty="0" smtClean="0"/>
               <a:t>测试用例管理</a:t>
             </a:r>
-            <a:endParaRPr lang="en-US" altLang="zh-CN" smtClean="0"/>
+            <a:endParaRPr lang="en-US" altLang="zh-CN" dirty="0" smtClean="0"/>
           </a:p>
           <a:p>
             <a:pPr lvl="1"/>
             <a:r>
-              <a:rPr lang="zh-CN" altLang="en-US" smtClean="0"/>
+              <a:rPr lang="zh-CN" altLang="en-US" dirty="0" smtClean="0"/>
               <a:t>软件缺陷管理</a:t>
             </a:r>
-            <a:endParaRPr lang="en-US" altLang="zh-CN" smtClean="0"/>
+            <a:endParaRPr lang="en-US" altLang="zh-CN" dirty="0" smtClean="0"/>
           </a:p>
           <a:p>
             <a:pPr lvl="1"/>
             <a:r>
-              <a:rPr lang="zh-CN" altLang="en-US" smtClean="0"/>
+              <a:rPr lang="zh-CN" altLang="en-US" dirty="0" smtClean="0"/>
               <a:t>测试团队管理</a:t>
             </a:r>
-            <a:endParaRPr lang="zh-CN" altLang="en-US"/>
+            <a:endParaRPr lang="zh-CN" altLang="en-US" dirty="0"/>
           </a:p>
         </p:txBody>
       </p:sp>
@@ -12197,7 +11714,6 @@
               <a:rPr lang="zh-CN" altLang="en-US" dirty="0" smtClean="0"/>
               <a:t>软件缺陷的管理</a:t>
             </a:r>
-            <a:endParaRPr lang="zh-CN" altLang="en-US" dirty="0" smtClean="0"/>
           </a:p>
         </p:txBody>
       </p:sp>
@@ -12312,7 +11828,6 @@
               <a:rPr lang="zh-CN" altLang="en-US" dirty="0" smtClean="0"/>
               <a:t>软件缺陷的管理</a:t>
             </a:r>
-            <a:endParaRPr lang="zh-CN" altLang="en-US" dirty="0" smtClean="0"/>
           </a:p>
         </p:txBody>
       </p:sp>
@@ -12342,7 +11857,6 @@
               <a:rPr lang="zh-CN" altLang="en-US" dirty="0" smtClean="0"/>
               <a:t>实质就是要回答如下问题</a:t>
             </a:r>
-            <a:endParaRPr lang="zh-CN" altLang="en-US" dirty="0" smtClean="0"/>
           </a:p>
           <a:p>
             <a:pPr lvl="1"/>
@@ -12350,7 +11864,6 @@
               <a:rPr lang="zh-CN" altLang="en-US" dirty="0" smtClean="0"/>
               <a:t>谁，何时，在何处，发现了什么缺陷？</a:t>
             </a:r>
-            <a:endParaRPr lang="zh-CN" altLang="en-US" dirty="0" smtClean="0"/>
           </a:p>
           <a:p>
             <a:pPr lvl="1"/>
@@ -12358,7 +11871,6 @@
               <a:rPr lang="zh-CN" altLang="en-US" dirty="0" smtClean="0"/>
               <a:t>谁，何时，提出怎样的处理意见？</a:t>
             </a:r>
-            <a:endParaRPr lang="zh-CN" altLang="en-US" dirty="0" smtClean="0"/>
           </a:p>
           <a:p>
             <a:pPr lvl="1"/>
@@ -12386,7 +11898,6 @@
               <a:rPr lang="zh-CN" altLang="en-US" dirty="0" smtClean="0"/>
               <a:t>谁，何时，如何验证该缺陷？测试结果如何？</a:t>
             </a:r>
-            <a:endParaRPr lang="zh-CN" altLang="en-US" dirty="0" smtClean="0"/>
           </a:p>
           <a:p>
             <a:endParaRPr lang="zh-CN" altLang="en-US" dirty="0"/>
@@ -12499,7 +12010,6 @@
               <a:rPr lang="zh-CN" altLang="en-US" dirty="0" smtClean="0"/>
               <a:t>软件缺陷的管理</a:t>
             </a:r>
-            <a:endParaRPr lang="zh-CN" altLang="en-US" dirty="0" smtClean="0"/>
           </a:p>
         </p:txBody>
       </p:sp>
@@ -12522,7 +12032,6 @@
               <a:rPr lang="zh-CN" altLang="en-US" dirty="0" smtClean="0"/>
               <a:t>缺陷报告的用途是什么？</a:t>
             </a:r>
-            <a:endParaRPr lang="zh-CN" altLang="en-US" dirty="0" smtClean="0"/>
           </a:p>
           <a:p>
             <a:pPr lvl="1"/>
@@ -12530,7 +12039,6 @@
               <a:rPr lang="zh-CN" altLang="en-US" dirty="0" smtClean="0"/>
               <a:t>记录缺陷</a:t>
             </a:r>
-            <a:endParaRPr lang="zh-CN" altLang="en-US" dirty="0" smtClean="0"/>
           </a:p>
           <a:p>
             <a:pPr lvl="1"/>
@@ -12538,7 +12046,6 @@
               <a:rPr lang="zh-CN" altLang="en-US" dirty="0" smtClean="0"/>
               <a:t>缺陷分类（为解决缺陷分配资源）</a:t>
             </a:r>
-            <a:endParaRPr lang="zh-CN" altLang="en-US" dirty="0" smtClean="0"/>
           </a:p>
           <a:p>
             <a:pPr lvl="1"/>
@@ -12546,7 +12053,6 @@
               <a:rPr lang="zh-CN" altLang="en-US" dirty="0" smtClean="0"/>
               <a:t>缺陷跟踪</a:t>
             </a:r>
-            <a:endParaRPr lang="zh-CN" altLang="en-US" dirty="0" smtClean="0"/>
           </a:p>
           <a:p>
             <a:endParaRPr lang="zh-CN" altLang="en-US" dirty="0"/>
@@ -12611,7 +12117,6 @@
               <a:rPr lang="zh-CN" altLang="en-US" dirty="0" smtClean="0"/>
               <a:t>软件缺陷的管理</a:t>
             </a:r>
-            <a:endParaRPr lang="zh-CN" altLang="en-US" dirty="0" smtClean="0"/>
           </a:p>
         </p:txBody>
       </p:sp>
@@ -13046,10 +12551,6 @@
               </a:rPr>
               <a:t>bug</a:t>
             </a:r>
-            <a:endParaRPr lang="en-US" altLang="zh-CN" sz="2800" b="1" dirty="0">
-              <a:latin typeface="楷体" panose="02010609060101010101" pitchFamily="49" charset="-122"/>
-              <a:ea typeface="楷体" panose="02010609060101010101" pitchFamily="49" charset="-122"/>
-            </a:endParaRPr>
           </a:p>
           <a:p>
             <a:r>
@@ -14072,7 +13573,6 @@
               <a:rPr lang="zh-CN" altLang="en-US" dirty="0"/>
               <a:t>软件缺陷的管理</a:t>
             </a:r>
-            <a:endParaRPr lang="zh-CN" altLang="en-US" dirty="0"/>
           </a:p>
         </p:txBody>
       </p:sp>
@@ -14100,7 +13600,6 @@
               <a:rPr lang="zh-CN" altLang="en-US" dirty="0" smtClean="0"/>
               <a:t>怎样编写缺陷报告</a:t>
             </a:r>
-            <a:endParaRPr lang="zh-CN" altLang="en-US" dirty="0" smtClean="0"/>
           </a:p>
           <a:p>
             <a:pPr lvl="1"/>
@@ -14108,7 +13607,6 @@
               <a:rPr lang="zh-CN" altLang="en-US" dirty="0" smtClean="0"/>
               <a:t>保证重现缺陷</a:t>
             </a:r>
-            <a:endParaRPr lang="zh-CN" altLang="en-US" dirty="0" smtClean="0"/>
           </a:p>
           <a:p>
             <a:pPr lvl="1"/>
@@ -14124,7 +13622,6 @@
               <a:rPr lang="zh-CN" altLang="en-US" dirty="0" smtClean="0"/>
               <a:t>使用最少步骤复现故障</a:t>
             </a:r>
-            <a:endParaRPr lang="zh-CN" altLang="en-US" dirty="0" smtClean="0"/>
           </a:p>
           <a:p>
             <a:pPr lvl="1"/>
@@ -14132,7 +13629,6 @@
               <a:rPr lang="zh-CN" altLang="en-US" dirty="0" smtClean="0"/>
               <a:t>包含所有重现缺陷的必要步骤</a:t>
             </a:r>
-            <a:endParaRPr lang="zh-CN" altLang="en-US" dirty="0" smtClean="0"/>
           </a:p>
           <a:p>
             <a:pPr lvl="1"/>
@@ -14140,7 +13636,6 @@
               <a:rPr lang="zh-CN" altLang="en-US" dirty="0" smtClean="0"/>
               <a:t>方便阅读</a:t>
             </a:r>
-            <a:endParaRPr lang="zh-CN" altLang="en-US" dirty="0" smtClean="0"/>
           </a:p>
           <a:p>
             <a:pPr lvl="1"/>
@@ -14400,7 +13895,6 @@
               <a:rPr lang="zh-CN" altLang="en-US" kern="0" dirty="0" smtClean="0"/>
               <a:t>一个缺陷一个报告</a:t>
             </a:r>
-            <a:endParaRPr lang="zh-CN" altLang="en-US" kern="0" dirty="0" smtClean="0"/>
           </a:p>
           <a:p>
             <a:pPr lvl="1"/>
@@ -14490,7 +13984,6 @@
               <a:rPr lang="zh-CN" altLang="en-US" dirty="0" smtClean="0"/>
               <a:t>软件缺陷的管理</a:t>
             </a:r>
-            <a:endParaRPr lang="zh-CN" altLang="en-US" dirty="0" smtClean="0"/>
           </a:p>
         </p:txBody>
       </p:sp>
@@ -14626,7 +14119,6 @@
               <a:rPr lang="zh-CN" altLang="en-US" dirty="0" smtClean="0"/>
               <a:t>软件缺陷的管理</a:t>
             </a:r>
-            <a:endParaRPr lang="zh-CN" altLang="en-US" dirty="0" smtClean="0"/>
           </a:p>
         </p:txBody>
       </p:sp>
@@ -14663,7 +14155,6 @@
               <a:rPr lang="en-US" altLang="zh-CN" dirty="0" smtClean="0"/>
               <a:t>(1)</a:t>
             </a:r>
-            <a:endParaRPr lang="en-US" altLang="zh-CN" dirty="0" smtClean="0"/>
           </a:p>
           <a:p>
             <a:pPr lvl="1">
@@ -14755,7 +14246,6 @@
               <a:rPr lang="zh-CN" altLang="en-US" dirty="0" smtClean="0"/>
               <a:t>用例编号</a:t>
             </a:r>
-            <a:endParaRPr lang="zh-CN" altLang="en-US" dirty="0" smtClean="0"/>
           </a:p>
         </p:txBody>
       </p:sp>
@@ -14865,7 +14355,6 @@
               <a:rPr lang="zh-CN" altLang="en-US" dirty="0" smtClean="0"/>
               <a:t>软件缺陷的管理</a:t>
             </a:r>
-            <a:endParaRPr lang="zh-CN" altLang="en-US" dirty="0" smtClean="0"/>
           </a:p>
         </p:txBody>
       </p:sp>
@@ -14902,7 +14391,6 @@
               <a:rPr lang="en-US" altLang="zh-CN" dirty="0"/>
               <a:t>(2)</a:t>
             </a:r>
-            <a:endParaRPr lang="en-US" altLang="zh-CN" dirty="0"/>
           </a:p>
           <a:p>
             <a:pPr lvl="1">
@@ -15012,9 +14500,6 @@
               </a:rPr>
               <a:t>发送给</a:t>
             </a:r>
-            <a:endParaRPr lang="zh-CN" altLang="en-US" sz="2800" dirty="0">
-              <a:cs typeface="+mn-cs"/>
-            </a:endParaRPr>
           </a:p>
         </p:txBody>
       </p:sp>
@@ -15124,7 +14609,6 @@
               <a:rPr lang="zh-CN" altLang="en-US" dirty="0" smtClean="0"/>
               <a:t>软件缺陷的管理</a:t>
             </a:r>
-            <a:endParaRPr lang="zh-CN" altLang="en-US" dirty="0" smtClean="0"/>
           </a:p>
         </p:txBody>
       </p:sp>
@@ -15151,7 +14635,6 @@
               <a:rPr lang="en-US" altLang="zh-CN" dirty="0" smtClean="0"/>
               <a:t>(3)</a:t>
             </a:r>
-            <a:endParaRPr lang="en-US" altLang="zh-CN" dirty="0" smtClean="0"/>
           </a:p>
           <a:p>
             <a:pPr lvl="1"/>
@@ -15183,7 +14666,6 @@
               <a:rPr lang="zh-CN" altLang="en-US" smtClean="0"/>
               <a:t>历史</a:t>
             </a:r>
-            <a:endParaRPr lang="zh-CN" altLang="en-US" smtClean="0"/>
           </a:p>
         </p:txBody>
       </p:sp>
@@ -15293,7 +14775,6 @@
               <a:rPr lang="zh-CN" altLang="en-US" dirty="0" smtClean="0"/>
               <a:t>软件缺陷的管理</a:t>
             </a:r>
-            <a:endParaRPr lang="zh-CN" altLang="en-US" dirty="0" smtClean="0"/>
           </a:p>
         </p:txBody>
       </p:sp>
@@ -15339,7 +14820,6 @@
               <a:rPr lang="zh-CN" altLang="en-US" smtClean="0"/>
               <a:t>优先级</a:t>
             </a:r>
-            <a:endParaRPr lang="zh-CN" altLang="en-US" smtClean="0"/>
           </a:p>
         </p:txBody>
       </p:sp>
@@ -15449,7 +14929,6 @@
               <a:rPr lang="zh-CN" altLang="en-US" dirty="0" smtClean="0"/>
               <a:t>测试用例的管理</a:t>
             </a:r>
-            <a:endParaRPr lang="zh-CN" altLang="en-US" dirty="0" smtClean="0"/>
           </a:p>
         </p:txBody>
       </p:sp>
@@ -15493,7 +14972,6 @@
               <a:rPr lang="zh-CN" altLang="en-US" dirty="0" smtClean="0"/>
               <a:t>软件</a:t>
             </a:r>
-            <a:endParaRPr lang="zh-CN" altLang="en-US" dirty="0" smtClean="0"/>
           </a:p>
           <a:p>
             <a:pPr lvl="1"/>
@@ -15501,7 +14979,6 @@
               <a:rPr lang="zh-CN" altLang="en-US" dirty="0" smtClean="0"/>
               <a:t>程序版本</a:t>
             </a:r>
-            <a:endParaRPr lang="zh-CN" altLang="en-US" dirty="0" smtClean="0"/>
           </a:p>
           <a:p>
             <a:pPr lvl="1"/>
@@ -15509,7 +14986,6 @@
               <a:rPr lang="zh-CN" altLang="en-US" dirty="0" smtClean="0"/>
               <a:t>编制人</a:t>
             </a:r>
-            <a:endParaRPr lang="zh-CN" altLang="en-US" dirty="0" smtClean="0"/>
           </a:p>
           <a:p>
             <a:pPr lvl="1"/>
@@ -15783,7 +15259,6 @@
               <a:rPr lang="zh-CN" altLang="en-US" kern="0" dirty="0" smtClean="0"/>
               <a:t>测试需求</a:t>
             </a:r>
-            <a:endParaRPr lang="zh-CN" altLang="en-US" kern="0" dirty="0" smtClean="0"/>
           </a:p>
         </p:txBody>
       </p:sp>
@@ -15843,7 +15318,6 @@
               <a:rPr lang="zh-CN" altLang="en-US" dirty="0" smtClean="0"/>
               <a:t>软件缺陷的管理</a:t>
             </a:r>
-            <a:endParaRPr lang="zh-CN" altLang="en-US" dirty="0" smtClean="0"/>
           </a:p>
         </p:txBody>
       </p:sp>
@@ -15893,7 +15367,6 @@
               <a:rPr lang="en-US" altLang="en-US" dirty="0" smtClean="0"/>
               <a:t>Build</a:t>
             </a:r>
-            <a:endParaRPr lang="en-US" altLang="en-US" dirty="0" smtClean="0"/>
           </a:p>
           <a:p>
             <a:pPr lvl="1"/>
@@ -15909,7 +15382,6 @@
               <a:rPr lang="zh-CN" altLang="en-US" dirty="0" smtClean="0"/>
               <a:t>相关附件</a:t>
             </a:r>
-            <a:endParaRPr lang="zh-CN" altLang="en-US" dirty="0" smtClean="0"/>
           </a:p>
         </p:txBody>
       </p:sp>
@@ -16019,7 +15491,6 @@
               <a:rPr lang="zh-CN" altLang="en-US" dirty="0" smtClean="0"/>
               <a:t>软件缺陷的管理</a:t>
             </a:r>
-            <a:endParaRPr lang="zh-CN" altLang="en-US" dirty="0" smtClean="0"/>
           </a:p>
         </p:txBody>
       </p:sp>
@@ -16130,15 +15601,7 @@
             </a:r>
             <a:r>
               <a:rPr lang="en-US" altLang="en-US" dirty="0" smtClean="0"/>
-              <a:t>(</a:t>
-            </a:r>
-            <a:r>
-              <a:rPr lang="en-US" altLang="en-US" dirty="0" smtClean="0"/>
-              <a:t>Don't  </a:t>
-            </a:r>
-            <a:r>
-              <a:rPr lang="en-US" altLang="en-US" dirty="0" smtClean="0"/>
-              <a:t>fix)</a:t>
+              <a:t>(Don't  fix)</a:t>
             </a:r>
             <a:endParaRPr lang="zh-CN" altLang="en-US" dirty="0" smtClean="0"/>
           </a:p>
@@ -16306,7 +15769,6 @@
               <a:rPr lang="zh-CN" altLang="en-US" dirty="0" smtClean="0"/>
               <a:t>软件缺陷的管理</a:t>
             </a:r>
-            <a:endParaRPr lang="zh-CN" altLang="en-US" dirty="0" smtClean="0"/>
           </a:p>
         </p:txBody>
       </p:sp>
@@ -16344,7 +15806,6 @@
               <a:rPr lang="zh-CN" altLang="en-US" dirty="0" smtClean="0"/>
               <a:t>复审结果</a:t>
             </a:r>
-            <a:endParaRPr lang="zh-CN" altLang="en-US" dirty="0" smtClean="0"/>
           </a:p>
         </p:txBody>
       </p:sp>
@@ -16454,7 +15915,6 @@
               <a:rPr lang="zh-CN" altLang="en-US" dirty="0" smtClean="0"/>
               <a:t>软件缺陷的管理</a:t>
             </a:r>
-            <a:endParaRPr lang="zh-CN" altLang="en-US" dirty="0" smtClean="0"/>
           </a:p>
         </p:txBody>
       </p:sp>
@@ -16640,6 +16100,7 @@
             <a:pPr eaLnBrk="1" hangingPunct="1"/>
             <a:fld id="{AD5DC7F9-661F-4D29-A22A-39259A604007}" type="slidenum">
               <a:rPr lang="en-US" altLang="zh-CN" smtClean="0"/>
+              <a:t>43</a:t>
             </a:fld>
             <a:endParaRPr lang="en-US" altLang="zh-CN" dirty="0" smtClean="0"/>
           </a:p>
@@ -16701,7 +16162,6 @@
               <a:rPr lang="zh-CN" altLang="en-US" dirty="0" smtClean="0"/>
               <a:t>软件缺陷的管理</a:t>
             </a:r>
-            <a:endParaRPr lang="zh-CN" altLang="en-US" dirty="0" smtClean="0"/>
           </a:p>
         </p:txBody>
       </p:sp>
@@ -16888,6 +16348,7 @@
             <a:pPr eaLnBrk="1" hangingPunct="1"/>
             <a:fld id="{B059DA03-42E6-4AA9-AE26-B14091976608}" type="slidenum">
               <a:rPr lang="en-US" altLang="zh-CN" smtClean="0"/>
+              <a:t>44</a:t>
             </a:fld>
             <a:endParaRPr lang="en-US" altLang="zh-CN" dirty="0" smtClean="0"/>
           </a:p>
@@ -16902,7 +16363,7 @@
           <p:nvPr/>
         </p:nvPicPr>
         <p:blipFill>
-          <a:blip r:embed="rId1">
+          <a:blip r:embed="rId2">
             <a:extLst>
               <a:ext uri="{28A0092B-C50C-407E-A947-70E740481C1C}">
                 <a14:useLocalDpi xmlns:a14="http://schemas.microsoft.com/office/drawing/2010/main" val="0"/>
@@ -17003,7 +16464,6 @@
               <a:rPr lang="zh-CN" altLang="en-US" dirty="0" smtClean="0"/>
               <a:t>软件缺陷的管理</a:t>
             </a:r>
-            <a:endParaRPr lang="zh-CN" altLang="en-US" dirty="0" smtClean="0"/>
           </a:p>
         </p:txBody>
       </p:sp>
@@ -17089,7 +16549,7 @@
           <p:nvPr/>
         </p:nvPicPr>
         <p:blipFill>
-          <a:blip r:embed="rId1" cstate="print">
+          <a:blip r:embed="rId2" cstate="print">
             <a:extLst>
               <a:ext uri="{28A0092B-C50C-407E-A947-70E740481C1C}">
                 <a14:useLocalDpi xmlns:a14="http://schemas.microsoft.com/office/drawing/2010/main" val="0"/>
@@ -17266,7 +16726,6 @@
               <a:rPr lang="zh-CN" altLang="en-US" dirty="0" smtClean="0"/>
               <a:t>软件缺陷的管理</a:t>
             </a:r>
-            <a:endParaRPr lang="zh-CN" altLang="en-US" dirty="0" smtClean="0"/>
           </a:p>
         </p:txBody>
       </p:sp>
@@ -17352,7 +16811,7 @@
           <p:nvPr/>
         </p:nvPicPr>
         <p:blipFill>
-          <a:blip r:embed="rId1" cstate="print">
+          <a:blip r:embed="rId2" cstate="print">
             <a:extLst>
               <a:ext uri="{28A0092B-C50C-407E-A947-70E740481C1C}">
                 <a14:useLocalDpi xmlns:a14="http://schemas.microsoft.com/office/drawing/2010/main" val="0"/>
@@ -17453,7 +16912,6 @@
               <a:rPr lang="zh-CN" altLang="en-US" dirty="0" smtClean="0"/>
               <a:t>软件缺陷的管理</a:t>
             </a:r>
-            <a:endParaRPr lang="zh-CN" altLang="en-US" dirty="0" smtClean="0"/>
           </a:p>
         </p:txBody>
       </p:sp>
@@ -17481,28 +16939,24 @@
               <a:rPr lang="zh-CN" altLang="en-US" dirty="0" smtClean="0"/>
               <a:t>测试员负责上报缺陷，并对缺陷进行分类，确定缺陷的严重等级</a:t>
             </a:r>
-            <a:endParaRPr lang="zh-CN" altLang="en-US" dirty="0" smtClean="0"/>
           </a:p>
           <a:p>
             <a:r>
               <a:rPr lang="zh-CN" altLang="en-US" dirty="0" smtClean="0"/>
               <a:t>项目经理负责对缺陷的优先级进行划定，将缺陷分配给程序员</a:t>
             </a:r>
-            <a:endParaRPr lang="zh-CN" altLang="en-US" dirty="0" smtClean="0"/>
           </a:p>
           <a:p>
             <a:r>
               <a:rPr lang="zh-CN" altLang="en-US" dirty="0" smtClean="0"/>
               <a:t>程序员对缺陷报告审核之后决定针对缺陷应采取的处理方式，负责修复缺陷</a:t>
             </a:r>
-            <a:endParaRPr lang="zh-CN" altLang="en-US" dirty="0" smtClean="0"/>
           </a:p>
           <a:p>
             <a:r>
               <a:rPr lang="zh-CN" altLang="en-US" dirty="0" smtClean="0"/>
               <a:t>当程序员与测试员对缺陷的处理意见不一致时，仲裁委员会负责进行仲裁，避免程序员与测试员的“踢皮球”现象</a:t>
             </a:r>
-            <a:endParaRPr lang="zh-CN" altLang="en-US" dirty="0" smtClean="0"/>
           </a:p>
           <a:p>
             <a:r>
@@ -17619,7 +17073,6 @@
               <a:rPr lang="zh-CN" altLang="en-US" dirty="0" smtClean="0"/>
               <a:t>软件缺陷的管理</a:t>
             </a:r>
-            <a:endParaRPr lang="zh-CN" altLang="en-US" dirty="0" smtClean="0"/>
           </a:p>
         </p:txBody>
       </p:sp>
@@ -17883,15 +17336,6 @@
                   </a:rPr>
                   <a:t>提交缺陷报告</a:t>
                 </a:r>
-                <a:endParaRPr lang="zh-CN" altLang="en-US" sz="1900" dirty="0">
-                  <a:solidFill>
-                    <a:schemeClr val="tx1">
-                      <a:lumMod val="10000"/>
-                    </a:schemeClr>
-                  </a:solidFill>
-                  <a:latin typeface="微软雅黑" panose="020B0503020204020204" charset="-122"/>
-                  <a:ea typeface="微软雅黑" panose="020B0503020204020204" charset="-122"/>
-                </a:endParaRPr>
               </a:p>
             </p:txBody>
           </p:sp>
@@ -17958,15 +17402,6 @@
                   </a:rPr>
                   <a:t>处理缺陷报告</a:t>
                 </a:r>
-                <a:endParaRPr lang="zh-CN" altLang="en-US" sz="1900" dirty="0">
-                  <a:solidFill>
-                    <a:schemeClr val="tx1">
-                      <a:lumMod val="10000"/>
-                    </a:schemeClr>
-                  </a:solidFill>
-                  <a:latin typeface="微软雅黑" panose="020B0503020204020204" charset="-122"/>
-                  <a:ea typeface="微软雅黑" panose="020B0503020204020204" charset="-122"/>
-                </a:endParaRPr>
               </a:p>
             </p:txBody>
           </p:sp>
@@ -18033,15 +17468,6 @@
                   </a:rPr>
                   <a:t>关闭缺陷报告</a:t>
                 </a:r>
-                <a:endParaRPr lang="zh-CN" altLang="en-US" sz="1900" dirty="0">
-                  <a:solidFill>
-                    <a:schemeClr val="tx1">
-                      <a:lumMod val="10000"/>
-                    </a:schemeClr>
-                  </a:solidFill>
-                  <a:latin typeface="微软雅黑" panose="020B0503020204020204" charset="-122"/>
-                  <a:ea typeface="微软雅黑" panose="020B0503020204020204" charset="-122"/>
-                </a:endParaRPr>
               </a:p>
             </p:txBody>
           </p:sp>
@@ -18419,7 +17845,6 @@
               <a:rPr lang="zh-CN" altLang="en-US" dirty="0" smtClean="0"/>
               <a:t>测试团队的管理</a:t>
             </a:r>
-            <a:endParaRPr lang="zh-CN" altLang="en-US" dirty="0" smtClean="0"/>
           </a:p>
         </p:txBody>
       </p:sp>
@@ -18584,7 +18009,6 @@
               <a:rPr lang="zh-CN" altLang="en-US" dirty="0" smtClean="0"/>
               <a:t>测试用例的管理</a:t>
             </a:r>
-            <a:endParaRPr lang="zh-CN" altLang="en-US" dirty="0" smtClean="0"/>
           </a:p>
         </p:txBody>
       </p:sp>
@@ -18644,7 +18068,6 @@
               <a:rPr lang="zh-CN" altLang="en-US" dirty="0" smtClean="0"/>
               <a:t>参考文档</a:t>
             </a:r>
-            <a:endParaRPr lang="zh-CN" altLang="en-US" dirty="0" smtClean="0"/>
           </a:p>
         </p:txBody>
       </p:sp>
@@ -18700,7 +18123,6 @@
               <a:rPr lang="zh-CN" altLang="en-US" dirty="0"/>
               <a:t>测试团队的管理</a:t>
             </a:r>
-            <a:endParaRPr lang="zh-CN" altLang="en-US" dirty="0"/>
           </a:p>
         </p:txBody>
       </p:sp>
@@ -18732,7 +18154,6 @@
               <a:rPr lang="zh-CN" altLang="en-US" dirty="0"/>
               <a:t>督促开发人员遵循良好的编码习惯，提高代码的规范性、可读性和可维护性</a:t>
             </a:r>
-            <a:endParaRPr lang="zh-CN" altLang="en-US" dirty="0"/>
           </a:p>
           <a:p>
             <a:endParaRPr lang="zh-CN" altLang="en-US" dirty="0"/>
@@ -18758,7 +18179,7 @@
 </file>
 
 <file path=ppt/slides/slide51.xml><?xml version="1.0" encoding="utf-8"?>
-<p:sld xmlns:a="http://schemas.openxmlformats.org/drawingml/2006/main" xmlns:r="http://schemas.openxmlformats.org/officeDocument/2006/relationships" xmlns:p="http://schemas.openxmlformats.org/presentationml/2006/main" show="0">
+<p:sld xmlns:a="http://schemas.openxmlformats.org/drawingml/2006/main" xmlns:r="http://schemas.openxmlformats.org/officeDocument/2006/relationships" xmlns:p="http://schemas.openxmlformats.org/presentationml/2006/main">
   <p:cSld>
     <p:spTree>
       <p:nvGrpSpPr>
@@ -18797,7 +18218,6 @@
               <a:rPr lang="zh-CN" altLang="en-US" dirty="0" smtClean="0"/>
               <a:t>测试团队的管理</a:t>
             </a:r>
-            <a:endParaRPr lang="zh-CN" altLang="en-US" dirty="0" smtClean="0"/>
           </a:p>
         </p:txBody>
       </p:sp>
@@ -18828,7 +18248,6 @@
               <a:rPr lang="zh-CN" altLang="en-US" dirty="0" smtClean="0"/>
               <a:t>技术支持组：包括系统架构师和业务分析师</a:t>
             </a:r>
-            <a:endParaRPr lang="zh-CN" altLang="en-US" dirty="0" smtClean="0"/>
           </a:p>
           <a:p>
             <a:pPr lvl="1"/>
@@ -18836,7 +18255,6 @@
               <a:rPr lang="zh-CN" altLang="en-US" dirty="0" smtClean="0"/>
               <a:t>质量保障组：包括质量保障人员和配置管理人员</a:t>
             </a:r>
-            <a:endParaRPr lang="zh-CN" altLang="en-US" dirty="0" smtClean="0"/>
           </a:p>
           <a:p>
             <a:pPr lvl="1"/>
@@ -18844,7 +18262,6 @@
               <a:rPr lang="zh-CN" altLang="en-US" dirty="0" smtClean="0"/>
               <a:t>测试实施组：包括功能测试工程师和性能测试工程师</a:t>
             </a:r>
-            <a:endParaRPr lang="zh-CN" altLang="en-US" dirty="0" smtClean="0"/>
           </a:p>
           <a:p>
             <a:pPr lvl="1"/>
@@ -18926,7 +18343,7 @@
 </file>
 
 <file path=ppt/slides/slide52.xml><?xml version="1.0" encoding="utf-8"?>
-<p:sld xmlns:a="http://schemas.openxmlformats.org/drawingml/2006/main" xmlns:r="http://schemas.openxmlformats.org/officeDocument/2006/relationships" xmlns:p="http://schemas.openxmlformats.org/presentationml/2006/main" show="0">
+<p:sld xmlns:a="http://schemas.openxmlformats.org/drawingml/2006/main" xmlns:r="http://schemas.openxmlformats.org/officeDocument/2006/relationships" xmlns:p="http://schemas.openxmlformats.org/presentationml/2006/main">
   <p:cSld>
     <p:spTree>
       <p:nvGrpSpPr>
@@ -18965,7 +18382,6 @@
               <a:rPr lang="zh-CN" altLang="en-US" dirty="0" smtClean="0"/>
               <a:t>测试团队的管理</a:t>
             </a:r>
-            <a:endParaRPr lang="zh-CN" altLang="en-US" dirty="0" smtClean="0"/>
           </a:p>
         </p:txBody>
       </p:sp>
@@ -19032,7 +18448,6 @@
               <a:rPr lang="zh-CN" altLang="en-US" smtClean="0"/>
               <a:t>实验室管理员：负责配置和维护实验室测试环境</a:t>
             </a:r>
-            <a:endParaRPr lang="zh-CN" altLang="en-US" smtClean="0"/>
           </a:p>
         </p:txBody>
       </p:sp>
@@ -19103,7 +18518,7 @@
 </file>
 
 <file path=ppt/slides/slide53.xml><?xml version="1.0" encoding="utf-8"?>
-<p:sld xmlns:a="http://schemas.openxmlformats.org/drawingml/2006/main" xmlns:r="http://schemas.openxmlformats.org/officeDocument/2006/relationships" xmlns:p="http://schemas.openxmlformats.org/presentationml/2006/main" show="0">
+<p:sld xmlns:a="http://schemas.openxmlformats.org/drawingml/2006/main" xmlns:r="http://schemas.openxmlformats.org/officeDocument/2006/relationships" xmlns:p="http://schemas.openxmlformats.org/presentationml/2006/main">
   <p:cSld>
     <p:spTree>
       <p:nvGrpSpPr>
@@ -19142,7 +18557,6 @@
               <a:rPr lang="zh-CN" altLang="en-US" dirty="0" smtClean="0"/>
               <a:t>测试团队的管理</a:t>
             </a:r>
-            <a:endParaRPr lang="zh-CN" altLang="en-US" dirty="0" smtClean="0"/>
           </a:p>
         </p:txBody>
       </p:sp>
@@ -19177,7 +18591,6 @@
               <a:rPr lang="en-US" altLang="zh-CN" dirty="0" smtClean="0"/>
               <a:t>)</a:t>
             </a:r>
-            <a:endParaRPr lang="en-US" altLang="zh-CN" dirty="0" smtClean="0"/>
           </a:p>
           <a:p>
             <a:pPr lvl="1"/>
@@ -19408,7 +18821,6 @@
               <a:rPr lang="zh-CN" altLang="en-US" dirty="0" smtClean="0"/>
               <a:t>测试用例的管理</a:t>
             </a:r>
-            <a:endParaRPr lang="zh-CN" altLang="en-US" dirty="0" smtClean="0"/>
           </a:p>
         </p:txBody>
       </p:sp>
@@ -19443,7 +18855,6 @@
               <a:rPr lang="en-US" altLang="en-US" dirty="0" smtClean="0"/>
               <a:t>(ID)</a:t>
             </a:r>
-            <a:endParaRPr lang="en-US" altLang="en-US" dirty="0" smtClean="0"/>
           </a:p>
           <a:p>
             <a:pPr lvl="1"/>
@@ -19475,7 +18886,6 @@
               <a:rPr lang="zh-CN" altLang="en-US" dirty="0" smtClean="0"/>
               <a:t>测试结果</a:t>
             </a:r>
-            <a:endParaRPr lang="zh-CN" altLang="en-US" dirty="0" smtClean="0"/>
           </a:p>
         </p:txBody>
       </p:sp>
@@ -19535,7 +18945,6 @@
               <a:rPr lang="zh-CN" altLang="en-US" dirty="0" smtClean="0"/>
               <a:t>测试用例的管理</a:t>
             </a:r>
-            <a:endParaRPr lang="zh-CN" altLang="en-US" dirty="0" smtClean="0"/>
           </a:p>
         </p:txBody>
       </p:sp>
@@ -19678,7 +19087,6 @@
               <a:rPr lang="zh-CN" altLang="en-US" dirty="0" smtClean="0"/>
               <a:t>测试用例的管理</a:t>
             </a:r>
-            <a:endParaRPr lang="zh-CN" altLang="en-US" dirty="0" smtClean="0"/>
           </a:p>
         </p:txBody>
       </p:sp>
@@ -20071,7 +19479,6 @@
               <a:rPr lang="zh-CN" altLang="en-US" dirty="0" smtClean="0"/>
               <a:t>测试用例的管理</a:t>
             </a:r>
-            <a:endParaRPr lang="zh-CN" altLang="en-US" dirty="0" smtClean="0"/>
           </a:p>
         </p:txBody>
       </p:sp>
@@ -20099,7 +19506,6 @@
               <a:rPr lang="zh-CN" altLang="en-US" dirty="0" smtClean="0"/>
               <a:t>测试用例评审检查单（部分）</a:t>
             </a:r>
-            <a:endParaRPr lang="zh-CN" altLang="en-US" dirty="0" smtClean="0"/>
           </a:p>
         </p:txBody>
       </p:sp>
@@ -20112,7 +19518,7 @@
           <p:nvPr/>
         </p:nvPicPr>
         <p:blipFill>
-          <a:blip r:embed="rId1">
+          <a:blip r:embed="rId2">
             <a:extLst>
               <a:ext uri="{28A0092B-C50C-407E-A947-70E740481C1C}">
                 <a14:useLocalDpi xmlns:a14="http://schemas.microsoft.com/office/drawing/2010/main" val="0"/>
@@ -20393,6 +19799,7 @@
       </a:bgFillStyleLst>
     </a:fmtScheme>
   </a:themeElements>
+  <a:objectDefaults/>
   <a:extraClrSchemeLst>
     <a:extraClrScheme>
       <a:clrScheme name="Profile 1">
@@ -20766,7 +20173,7 @@
   </a:extraClrSchemeLst>
   <a:extLst>
     <a:ext uri="{05A4C25C-085E-4340-85A3-A5531E510DB2}">
-      <thm15:themeFamily xmlns:thm15="http://schemas.microsoft.com/office/thememl/2012/main" name="Office Theme" id="{62F939B6-93AF-4DB8-9C6B-D6C7DFDC589F}" vid="{4A3C46E8-61CC-4603-A589-7422A47A8E4A}"/>
+      <thm15:themeFamily xmlns:thm15="http://schemas.microsoft.com/office/thememl/2012/main" xmlns="" name="Office Theme" id="{62F939B6-93AF-4DB8-9C6B-D6C7DFDC589F}" vid="{4A3C46E8-61CC-4603-A589-7422A47A8E4A}"/>
     </a:ext>
   </a:extLst>
 </a:theme>
@@ -21050,9 +20457,11 @@
       </a:bgFillStyleLst>
     </a:fmtScheme>
   </a:themeElements>
+  <a:objectDefaults/>
+  <a:extraClrSchemeLst/>
   <a:extLst>
     <a:ext uri="{05A4C25C-085E-4340-85A3-A5531E510DB2}">
-      <thm15:themeFamily xmlns:thm15="http://schemas.microsoft.com/office/thememl/2012/main" name="Office Theme" id="{62F939B6-93AF-4DB8-9C6B-D6C7DFDC589F}" vid="{4A3C46E8-61CC-4603-A589-7422A47A8E4A}"/>
+      <thm15:themeFamily xmlns:thm15="http://schemas.microsoft.com/office/thememl/2012/main" xmlns="" name="Office Theme" id="{62F939B6-93AF-4DB8-9C6B-D6C7DFDC589F}" vid="{4A3C46E8-61CC-4603-A589-7422A47A8E4A}"/>
     </a:ext>
   </a:extLst>
 </a:theme>
@@ -21336,9 +20745,11 @@
       </a:bgFillStyleLst>
     </a:fmtScheme>
   </a:themeElements>
+  <a:objectDefaults/>
+  <a:extraClrSchemeLst/>
   <a:extLst>
     <a:ext uri="{05A4C25C-085E-4340-85A3-A5531E510DB2}">
-      <thm15:themeFamily xmlns:thm15="http://schemas.microsoft.com/office/thememl/2012/main" name="Office Theme" id="{62F939B6-93AF-4DB8-9C6B-D6C7DFDC589F}" vid="{4A3C46E8-61CC-4603-A589-7422A47A8E4A}"/>
+      <thm15:themeFamily xmlns:thm15="http://schemas.microsoft.com/office/thememl/2012/main" xmlns="" name="Office Theme" id="{62F939B6-93AF-4DB8-9C6B-D6C7DFDC589F}" vid="{4A3C46E8-61CC-4603-A589-7422A47A8E4A}"/>
     </a:ext>
   </a:extLst>
 </a:theme>
